--- a/Thermodynamics/ChemThermod/Course/Pics/VLE_Pxy_Diagram3b.pptx
+++ b/Thermodynamics/ChemThermod/Course/Pics/VLE_Pxy_Diagram3b.pptx
@@ -34,7 +34,7 @@
       </p:grpSpPr>
       <p:sp>
         <p:nvSpPr>
-          <p:cNvPr id="39" name="PlaceHolder 1"/>
+          <p:cNvPr id="36" name="PlaceHolder 1"/>
           <p:cNvSpPr>
             <a:spLocks noGrp="1"/>
           </p:cNvSpPr>
@@ -84,7 +84,7 @@
       </p:sp>
       <p:sp>
         <p:nvSpPr>
-          <p:cNvPr id="40" name="PlaceHolder 2"/>
+          <p:cNvPr id="37" name="PlaceHolder 2"/>
           <p:cNvSpPr>
             <a:spLocks noGrp="1"/>
           </p:cNvSpPr>
@@ -116,7 +116,7 @@
                 </a:uFill>
                 <a:latin typeface="Times New Roman"/>
               </a:rPr>
-              <a:t> </a:t>
+              <a:t>&lt;header&gt;</a:t>
             </a:r>
             <a:endParaRPr b="0" lang="en-GB" sz="1400" spc="-1" strike="noStrike">
               <a:solidFill>
@@ -134,7 +134,7 @@
       </p:sp>
       <p:sp>
         <p:nvSpPr>
-          <p:cNvPr id="41" name="PlaceHolder 3"/>
+          <p:cNvPr id="38" name="PlaceHolder 3"/>
           <p:cNvSpPr>
             <a:spLocks noGrp="1"/>
           </p:cNvSpPr>
@@ -167,7 +167,7 @@
                 </a:uFill>
                 <a:latin typeface="Times New Roman"/>
               </a:rPr>
-              <a:t> </a:t>
+              <a:t>&lt;date/time&gt;</a:t>
             </a:r>
             <a:endParaRPr b="0" lang="en-GB" sz="1400" spc="-1" strike="noStrike">
               <a:solidFill>
@@ -185,7 +185,7 @@
       </p:sp>
       <p:sp>
         <p:nvSpPr>
-          <p:cNvPr id="42" name="PlaceHolder 4"/>
+          <p:cNvPr id="39" name="PlaceHolder 4"/>
           <p:cNvSpPr>
             <a:spLocks noGrp="1"/>
           </p:cNvSpPr>
@@ -217,7 +217,7 @@
                 </a:uFill>
                 <a:latin typeface="Times New Roman"/>
               </a:rPr>
-              <a:t> </a:t>
+              <a:t>&lt;footer&gt;</a:t>
             </a:r>
             <a:endParaRPr b="0" lang="en-GB" sz="1400" spc="-1" strike="noStrike">
               <a:solidFill>
@@ -235,7 +235,7 @@
       </p:sp>
       <p:sp>
         <p:nvSpPr>
-          <p:cNvPr id="43" name="PlaceHolder 5"/>
+          <p:cNvPr id="40" name="PlaceHolder 5"/>
           <p:cNvSpPr>
             <a:spLocks noGrp="1"/>
           </p:cNvSpPr>
@@ -256,7 +256,7 @@
           <a:bodyPr lIns="0" rIns="0" tIns="0" bIns="0" anchor="b"/>
           <a:p>
             <a:pPr algn="r"/>
-            <a:fld id="{61EA93BA-31CD-420B-A84A-2D068CAE651A}" type="slidenum">
+            <a:fld id="{DFDBA058-2D15-469B-BB15-A76647AF4AF4}" type="slidenum">
               <a:rPr b="0" lang="en-GB" sz="1400" spc="-1" strike="noStrike">
                 <a:solidFill>
                   <a:srgbClr val="000000"/>
@@ -268,7 +268,7 @@
                 </a:uFill>
                 <a:latin typeface="Times New Roman"/>
               </a:rPr>
-              <a:t>1</a:t>
+              <a:t>&lt;number&gt;</a:t>
             </a:fld>
             <a:endParaRPr b="0" lang="en-GB" sz="1400" spc="-1" strike="noStrike">
               <a:solidFill>
@@ -309,7 +309,7 @@
       </p:grpSpPr>
       <p:sp>
         <p:nvSpPr>
-          <p:cNvPr id="89" name="PlaceHolder 1"/>
+          <p:cNvPr id="88" name="PlaceHolder 1"/>
           <p:cNvSpPr>
             <a:spLocks noGrp="1"/>
           </p:cNvSpPr>
@@ -320,14 +320,14 @@
         <p:spPr>
           <a:xfrm>
             <a:off x="685800" y="4343400"/>
-            <a:ext cx="5486040" cy="4114440"/>
-          </a:xfrm>
-          <a:prstGeom prst="rect">
-            <a:avLst/>
-          </a:prstGeom>
-        </p:spPr>
-        <p:txBody>
-          <a:bodyPr/>
+            <a:ext cx="5485320" cy="4113720"/>
+          </a:xfrm>
+          <a:prstGeom prst="rect">
+            <a:avLst/>
+          </a:prstGeom>
+        </p:spPr>
+        <p:txBody>
+          <a:bodyPr lIns="0" rIns="0" tIns="0" bIns="0"/>
           <a:p>
             <a:endParaRPr b="0" lang="en-GB" sz="2000" spc="-1" strike="noStrike">
               <a:solidFill>
@@ -345,14 +345,14 @@
       </p:sp>
       <p:sp>
         <p:nvSpPr>
-          <p:cNvPr id="90" name="TextShape 2"/>
-          <p:cNvSpPr txBox="1"/>
+          <p:cNvPr id="89" name="CustomShape 2"/>
+          <p:cNvSpPr/>
           <p:nvPr/>
         </p:nvSpPr>
         <p:spPr>
           <a:xfrm>
             <a:off x="3884760" y="8685360"/>
-            <a:ext cx="2971440" cy="456840"/>
+            <a:ext cx="2970720" cy="456120"/>
           </a:xfrm>
           <a:prstGeom prst="rect">
             <a:avLst/>
@@ -362,42 +362,12 @@
             <a:noFill/>
           </a:ln>
         </p:spPr>
-        <p:txBody>
-          <a:bodyPr anchor="b"/>
-          <a:p>
-            <a:pPr algn="r">
-              <a:lnSpc>
-                <a:spcPct val="100000"/>
-              </a:lnSpc>
-            </a:pPr>
-            <a:fld id="{846F3E4D-DA09-4FA6-B6F3-B94B1C070392}" type="slidenum">
-              <a:rPr b="0" lang="en-GB" sz="1200" spc="-1" strike="noStrike">
-                <a:solidFill>
-                  <a:srgbClr val="000000"/>
-                </a:solidFill>
-                <a:uFill>
-                  <a:solidFill>
-                    <a:srgbClr val="ffffff"/>
-                  </a:solidFill>
-                </a:uFill>
-                <a:latin typeface="+mn-lt"/>
-                <a:ea typeface="+mn-ea"/>
-              </a:rPr>
-              <a:t>&lt;number&gt;</a:t>
-            </a:fld>
-            <a:endParaRPr b="0" lang="en-GB" sz="1400" spc="-1" strike="noStrike">
-              <a:solidFill>
-                <a:srgbClr val="000000"/>
-              </a:solidFill>
-              <a:uFill>
-                <a:solidFill>
-                  <a:srgbClr val="ffffff"/>
-                </a:solidFill>
-              </a:uFill>
-              <a:latin typeface="Times New Roman"/>
-            </a:endParaRPr>
-          </a:p>
-        </p:txBody>
+        <p:style>
+          <a:lnRef idx="0"/>
+          <a:fillRef idx="0"/>
+          <a:effectRef idx="0"/>
+          <a:fontRef idx="minor"/>
+        </p:style>
       </p:sp>
     </p:spTree>
   </p:cSld>
@@ -445,7 +415,7 @@
       </p:grpSpPr>
       <p:sp>
         <p:nvSpPr>
-          <p:cNvPr id="26" name="PlaceHolder 1"/>
+          <p:cNvPr id="23" name="PlaceHolder 1"/>
           <p:cNvSpPr>
             <a:spLocks noGrp="1"/>
           </p:cNvSpPr>
@@ -456,7 +426,7 @@
         <p:spPr>
           <a:xfrm>
             <a:off x="685800" y="2130480"/>
-            <a:ext cx="7772040" cy="1469520"/>
+            <a:ext cx="7771320" cy="1468800"/>
           </a:xfrm>
           <a:prstGeom prst="rect">
             <a:avLst/>
@@ -465,23 +435,24 @@
         <p:txBody>
           <a:bodyPr lIns="0" rIns="0" tIns="0" bIns="0" anchor="ctr"/>
           <a:p>
-            <a:endParaRPr b="0" lang="en-US" sz="1800" spc="-1" strike="noStrike">
-              <a:solidFill>
-                <a:srgbClr val="000000"/>
-              </a:solidFill>
-              <a:uFill>
-                <a:solidFill>
-                  <a:srgbClr val="ffffff"/>
-                </a:solidFill>
-              </a:uFill>
-              <a:latin typeface="Calibri"/>
-            </a:endParaRPr>
-          </a:p>
-        </p:txBody>
-      </p:sp>
-      <p:sp>
-        <p:nvSpPr>
-          <p:cNvPr id="27" name="PlaceHolder 2"/>
+            <a:pPr algn="ctr"/>
+            <a:endParaRPr b="0" lang="en-GB" sz="4400" spc="-1" strike="noStrike">
+              <a:solidFill>
+                <a:srgbClr val="000000"/>
+              </a:solidFill>
+              <a:uFill>
+                <a:solidFill>
+                  <a:srgbClr val="ffffff"/>
+                </a:solidFill>
+              </a:uFill>
+              <a:latin typeface="Arial"/>
+            </a:endParaRPr>
+          </a:p>
+        </p:txBody>
+      </p:sp>
+      <p:sp>
+        <p:nvSpPr>
+          <p:cNvPr id="24" name="PlaceHolder 2"/>
           <p:cNvSpPr>
             <a:spLocks noGrp="1"/>
           </p:cNvSpPr>
@@ -492,7 +463,7 @@
         <p:spPr>
           <a:xfrm>
             <a:off x="457200" y="1604520"/>
-            <a:ext cx="8229240" cy="1896840"/>
+            <a:ext cx="8228880" cy="1896840"/>
           </a:xfrm>
           <a:prstGeom prst="rect">
             <a:avLst/>
@@ -501,23 +472,23 @@
         <p:txBody>
           <a:bodyPr lIns="0" rIns="0" tIns="0" bIns="0"/>
           <a:p>
-            <a:endParaRPr b="0" lang="en-US" sz="3200" spc="-1" strike="noStrike">
-              <a:solidFill>
-                <a:srgbClr val="000000"/>
-              </a:solidFill>
-              <a:uFill>
-                <a:solidFill>
-                  <a:srgbClr val="ffffff"/>
-                </a:solidFill>
-              </a:uFill>
-              <a:latin typeface="Calibri"/>
-            </a:endParaRPr>
-          </a:p>
-        </p:txBody>
-      </p:sp>
-      <p:sp>
-        <p:nvSpPr>
-          <p:cNvPr id="28" name="PlaceHolder 3"/>
+            <a:endParaRPr b="0" lang="en-GB" sz="3200" spc="-1" strike="noStrike">
+              <a:solidFill>
+                <a:srgbClr val="000000"/>
+              </a:solidFill>
+              <a:uFill>
+                <a:solidFill>
+                  <a:srgbClr val="ffffff"/>
+                </a:solidFill>
+              </a:uFill>
+              <a:latin typeface="Arial"/>
+            </a:endParaRPr>
+          </a:p>
+        </p:txBody>
+      </p:sp>
+      <p:sp>
+        <p:nvSpPr>
+          <p:cNvPr id="25" name="PlaceHolder 3"/>
           <p:cNvSpPr>
             <a:spLocks noGrp="1"/>
           </p:cNvSpPr>
@@ -528,7 +499,7 @@
         <p:spPr>
           <a:xfrm>
             <a:off x="457200" y="3682080"/>
-            <a:ext cx="8229240" cy="1896840"/>
+            <a:ext cx="8228880" cy="1896840"/>
           </a:xfrm>
           <a:prstGeom prst="rect">
             <a:avLst/>
@@ -537,16 +508,16 @@
         <p:txBody>
           <a:bodyPr lIns="0" rIns="0" tIns="0" bIns="0"/>
           <a:p>
-            <a:endParaRPr b="0" lang="en-US" sz="3200" spc="-1" strike="noStrike">
-              <a:solidFill>
-                <a:srgbClr val="000000"/>
-              </a:solidFill>
-              <a:uFill>
-                <a:solidFill>
-                  <a:srgbClr val="ffffff"/>
-                </a:solidFill>
-              </a:uFill>
-              <a:latin typeface="Calibri"/>
+            <a:endParaRPr b="0" lang="en-GB" sz="3200" spc="-1" strike="noStrike">
+              <a:solidFill>
+                <a:srgbClr val="000000"/>
+              </a:solidFill>
+              <a:uFill>
+                <a:solidFill>
+                  <a:srgbClr val="ffffff"/>
+                </a:solidFill>
+              </a:uFill>
+              <a:latin typeface="Arial"/>
             </a:endParaRPr>
           </a:p>
         </p:txBody>
@@ -575,7 +546,7 @@
       </p:grpSpPr>
       <p:sp>
         <p:nvSpPr>
-          <p:cNvPr id="29" name="PlaceHolder 1"/>
+          <p:cNvPr id="26" name="PlaceHolder 1"/>
           <p:cNvSpPr>
             <a:spLocks noGrp="1"/>
           </p:cNvSpPr>
@@ -586,7 +557,7 @@
         <p:spPr>
           <a:xfrm>
             <a:off x="685800" y="2130480"/>
-            <a:ext cx="7772040" cy="1469520"/>
+            <a:ext cx="7771320" cy="1468800"/>
           </a:xfrm>
           <a:prstGeom prst="rect">
             <a:avLst/>
@@ -595,23 +566,24 @@
         <p:txBody>
           <a:bodyPr lIns="0" rIns="0" tIns="0" bIns="0" anchor="ctr"/>
           <a:p>
-            <a:endParaRPr b="0" lang="en-US" sz="1800" spc="-1" strike="noStrike">
-              <a:solidFill>
-                <a:srgbClr val="000000"/>
-              </a:solidFill>
-              <a:uFill>
-                <a:solidFill>
-                  <a:srgbClr val="ffffff"/>
-                </a:solidFill>
-              </a:uFill>
-              <a:latin typeface="Calibri"/>
-            </a:endParaRPr>
-          </a:p>
-        </p:txBody>
-      </p:sp>
-      <p:sp>
-        <p:nvSpPr>
-          <p:cNvPr id="30" name="PlaceHolder 2"/>
+            <a:pPr algn="ctr"/>
+            <a:endParaRPr b="0" lang="en-GB" sz="4400" spc="-1" strike="noStrike">
+              <a:solidFill>
+                <a:srgbClr val="000000"/>
+              </a:solidFill>
+              <a:uFill>
+                <a:solidFill>
+                  <a:srgbClr val="ffffff"/>
+                </a:solidFill>
+              </a:uFill>
+              <a:latin typeface="Arial"/>
+            </a:endParaRPr>
+          </a:p>
+        </p:txBody>
+      </p:sp>
+      <p:sp>
+        <p:nvSpPr>
+          <p:cNvPr id="27" name="PlaceHolder 2"/>
           <p:cNvSpPr>
             <a:spLocks noGrp="1"/>
           </p:cNvSpPr>
@@ -622,7 +594,7 @@
         <p:spPr>
           <a:xfrm>
             <a:off x="457200" y="1604520"/>
-            <a:ext cx="4015800" cy="1896840"/>
+            <a:ext cx="4015440" cy="1896840"/>
           </a:xfrm>
           <a:prstGeom prst="rect">
             <a:avLst/>
@@ -631,23 +603,23 @@
         <p:txBody>
           <a:bodyPr lIns="0" rIns="0" tIns="0" bIns="0"/>
           <a:p>
-            <a:endParaRPr b="0" lang="en-US" sz="3200" spc="-1" strike="noStrike">
-              <a:solidFill>
-                <a:srgbClr val="000000"/>
-              </a:solidFill>
-              <a:uFill>
-                <a:solidFill>
-                  <a:srgbClr val="ffffff"/>
-                </a:solidFill>
-              </a:uFill>
-              <a:latin typeface="Calibri"/>
-            </a:endParaRPr>
-          </a:p>
-        </p:txBody>
-      </p:sp>
-      <p:sp>
-        <p:nvSpPr>
-          <p:cNvPr id="31" name="PlaceHolder 3"/>
+            <a:endParaRPr b="0" lang="en-GB" sz="3200" spc="-1" strike="noStrike">
+              <a:solidFill>
+                <a:srgbClr val="000000"/>
+              </a:solidFill>
+              <a:uFill>
+                <a:solidFill>
+                  <a:srgbClr val="ffffff"/>
+                </a:solidFill>
+              </a:uFill>
+              <a:latin typeface="Arial"/>
+            </a:endParaRPr>
+          </a:p>
+        </p:txBody>
+      </p:sp>
+      <p:sp>
+        <p:nvSpPr>
+          <p:cNvPr id="28" name="PlaceHolder 3"/>
           <p:cNvSpPr>
             <a:spLocks noGrp="1"/>
           </p:cNvSpPr>
@@ -657,8 +629,8 @@
         </p:nvSpPr>
         <p:spPr>
           <a:xfrm>
-            <a:off x="4674240" y="1604520"/>
-            <a:ext cx="4015800" cy="1896840"/>
+            <a:off x="4673880" y="1604520"/>
+            <a:ext cx="4015440" cy="1896840"/>
           </a:xfrm>
           <a:prstGeom prst="rect">
             <a:avLst/>
@@ -667,23 +639,23 @@
         <p:txBody>
           <a:bodyPr lIns="0" rIns="0" tIns="0" bIns="0"/>
           <a:p>
-            <a:endParaRPr b="0" lang="en-US" sz="3200" spc="-1" strike="noStrike">
-              <a:solidFill>
-                <a:srgbClr val="000000"/>
-              </a:solidFill>
-              <a:uFill>
-                <a:solidFill>
-                  <a:srgbClr val="ffffff"/>
-                </a:solidFill>
-              </a:uFill>
-              <a:latin typeface="Calibri"/>
-            </a:endParaRPr>
-          </a:p>
-        </p:txBody>
-      </p:sp>
-      <p:sp>
-        <p:nvSpPr>
-          <p:cNvPr id="32" name="PlaceHolder 4"/>
+            <a:endParaRPr b="0" lang="en-GB" sz="3200" spc="-1" strike="noStrike">
+              <a:solidFill>
+                <a:srgbClr val="000000"/>
+              </a:solidFill>
+              <a:uFill>
+                <a:solidFill>
+                  <a:srgbClr val="ffffff"/>
+                </a:solidFill>
+              </a:uFill>
+              <a:latin typeface="Arial"/>
+            </a:endParaRPr>
+          </a:p>
+        </p:txBody>
+      </p:sp>
+      <p:sp>
+        <p:nvSpPr>
+          <p:cNvPr id="29" name="PlaceHolder 4"/>
           <p:cNvSpPr>
             <a:spLocks noGrp="1"/>
           </p:cNvSpPr>
@@ -693,8 +665,8 @@
         </p:nvSpPr>
         <p:spPr>
           <a:xfrm>
-            <a:off x="4674240" y="3682080"/>
-            <a:ext cx="4015800" cy="1896840"/>
+            <a:off x="4673880" y="3682080"/>
+            <a:ext cx="4015440" cy="1896840"/>
           </a:xfrm>
           <a:prstGeom prst="rect">
             <a:avLst/>
@@ -703,23 +675,23 @@
         <p:txBody>
           <a:bodyPr lIns="0" rIns="0" tIns="0" bIns="0"/>
           <a:p>
-            <a:endParaRPr b="0" lang="en-US" sz="3200" spc="-1" strike="noStrike">
-              <a:solidFill>
-                <a:srgbClr val="000000"/>
-              </a:solidFill>
-              <a:uFill>
-                <a:solidFill>
-                  <a:srgbClr val="ffffff"/>
-                </a:solidFill>
-              </a:uFill>
-              <a:latin typeface="Calibri"/>
-            </a:endParaRPr>
-          </a:p>
-        </p:txBody>
-      </p:sp>
-      <p:sp>
-        <p:nvSpPr>
-          <p:cNvPr id="33" name="PlaceHolder 5"/>
+            <a:endParaRPr b="0" lang="en-GB" sz="3200" spc="-1" strike="noStrike">
+              <a:solidFill>
+                <a:srgbClr val="000000"/>
+              </a:solidFill>
+              <a:uFill>
+                <a:solidFill>
+                  <a:srgbClr val="ffffff"/>
+                </a:solidFill>
+              </a:uFill>
+              <a:latin typeface="Arial"/>
+            </a:endParaRPr>
+          </a:p>
+        </p:txBody>
+      </p:sp>
+      <p:sp>
+        <p:nvSpPr>
+          <p:cNvPr id="30" name="PlaceHolder 5"/>
           <p:cNvSpPr>
             <a:spLocks noGrp="1"/>
           </p:cNvSpPr>
@@ -730,7 +702,7 @@
         <p:spPr>
           <a:xfrm>
             <a:off x="457200" y="3682080"/>
-            <a:ext cx="4015800" cy="1896840"/>
+            <a:ext cx="4015440" cy="1896840"/>
           </a:xfrm>
           <a:prstGeom prst="rect">
             <a:avLst/>
@@ -739,16 +711,16 @@
         <p:txBody>
           <a:bodyPr lIns="0" rIns="0" tIns="0" bIns="0"/>
           <a:p>
-            <a:endParaRPr b="0" lang="en-US" sz="3200" spc="-1" strike="noStrike">
-              <a:solidFill>
-                <a:srgbClr val="000000"/>
-              </a:solidFill>
-              <a:uFill>
-                <a:solidFill>
-                  <a:srgbClr val="ffffff"/>
-                </a:solidFill>
-              </a:uFill>
-              <a:latin typeface="Calibri"/>
+            <a:endParaRPr b="0" lang="en-GB" sz="3200" spc="-1" strike="noStrike">
+              <a:solidFill>
+                <a:srgbClr val="000000"/>
+              </a:solidFill>
+              <a:uFill>
+                <a:solidFill>
+                  <a:srgbClr val="ffffff"/>
+                </a:solidFill>
+              </a:uFill>
+              <a:latin typeface="Arial"/>
             </a:endParaRPr>
           </a:p>
         </p:txBody>
@@ -777,7 +749,7 @@
       </p:grpSpPr>
       <p:sp>
         <p:nvSpPr>
-          <p:cNvPr id="34" name="PlaceHolder 1"/>
+          <p:cNvPr id="31" name="PlaceHolder 1"/>
           <p:cNvSpPr>
             <a:spLocks noGrp="1"/>
           </p:cNvSpPr>
@@ -788,7 +760,7 @@
         <p:spPr>
           <a:xfrm>
             <a:off x="685800" y="2130480"/>
-            <a:ext cx="7772040" cy="1469520"/>
+            <a:ext cx="7771320" cy="1468800"/>
           </a:xfrm>
           <a:prstGeom prst="rect">
             <a:avLst/>
@@ -797,23 +769,24 @@
         <p:txBody>
           <a:bodyPr lIns="0" rIns="0" tIns="0" bIns="0" anchor="ctr"/>
           <a:p>
-            <a:endParaRPr b="0" lang="en-US" sz="1800" spc="-1" strike="noStrike">
-              <a:solidFill>
-                <a:srgbClr val="000000"/>
-              </a:solidFill>
-              <a:uFill>
-                <a:solidFill>
-                  <a:srgbClr val="ffffff"/>
-                </a:solidFill>
-              </a:uFill>
-              <a:latin typeface="Calibri"/>
-            </a:endParaRPr>
-          </a:p>
-        </p:txBody>
-      </p:sp>
-      <p:sp>
-        <p:nvSpPr>
-          <p:cNvPr id="35" name="PlaceHolder 2"/>
+            <a:pPr algn="ctr"/>
+            <a:endParaRPr b="0" lang="en-GB" sz="4400" spc="-1" strike="noStrike">
+              <a:solidFill>
+                <a:srgbClr val="000000"/>
+              </a:solidFill>
+              <a:uFill>
+                <a:solidFill>
+                  <a:srgbClr val="ffffff"/>
+                </a:solidFill>
+              </a:uFill>
+              <a:latin typeface="Arial"/>
+            </a:endParaRPr>
+          </a:p>
+        </p:txBody>
+      </p:sp>
+      <p:sp>
+        <p:nvSpPr>
+          <p:cNvPr id="32" name="PlaceHolder 2"/>
           <p:cNvSpPr>
             <a:spLocks noGrp="1"/>
           </p:cNvSpPr>
@@ -824,7 +797,7 @@
         <p:spPr>
           <a:xfrm>
             <a:off x="457200" y="1604520"/>
-            <a:ext cx="8229240" cy="3977280"/>
+            <a:ext cx="8228880" cy="3976920"/>
           </a:xfrm>
           <a:prstGeom prst="rect">
             <a:avLst/>
@@ -833,23 +806,23 @@
         <p:txBody>
           <a:bodyPr lIns="0" rIns="0" tIns="0" bIns="0"/>
           <a:p>
-            <a:endParaRPr b="0" lang="en-US" sz="3200" spc="-1" strike="noStrike">
-              <a:solidFill>
-                <a:srgbClr val="000000"/>
-              </a:solidFill>
-              <a:uFill>
-                <a:solidFill>
-                  <a:srgbClr val="ffffff"/>
-                </a:solidFill>
-              </a:uFill>
-              <a:latin typeface="Calibri"/>
-            </a:endParaRPr>
-          </a:p>
-        </p:txBody>
-      </p:sp>
-      <p:sp>
-        <p:nvSpPr>
-          <p:cNvPr id="36" name="PlaceHolder 3"/>
+            <a:endParaRPr b="0" lang="en-GB" sz="3200" spc="-1" strike="noStrike">
+              <a:solidFill>
+                <a:srgbClr val="000000"/>
+              </a:solidFill>
+              <a:uFill>
+                <a:solidFill>
+                  <a:srgbClr val="ffffff"/>
+                </a:solidFill>
+              </a:uFill>
+              <a:latin typeface="Arial"/>
+            </a:endParaRPr>
+          </a:p>
+        </p:txBody>
+      </p:sp>
+      <p:sp>
+        <p:nvSpPr>
+          <p:cNvPr id="33" name="PlaceHolder 3"/>
           <p:cNvSpPr>
             <a:spLocks noGrp="1"/>
           </p:cNvSpPr>
@@ -860,7 +833,7 @@
         <p:spPr>
           <a:xfrm>
             <a:off x="457200" y="1604520"/>
-            <a:ext cx="8229240" cy="3977280"/>
+            <a:ext cx="8228880" cy="3976920"/>
           </a:xfrm>
           <a:prstGeom prst="rect">
             <a:avLst/>
@@ -869,23 +842,23 @@
         <p:txBody>
           <a:bodyPr lIns="0" rIns="0" tIns="0" bIns="0"/>
           <a:p>
-            <a:endParaRPr b="0" lang="en-US" sz="3200" spc="-1" strike="noStrike">
-              <a:solidFill>
-                <a:srgbClr val="000000"/>
-              </a:solidFill>
-              <a:uFill>
-                <a:solidFill>
-                  <a:srgbClr val="ffffff"/>
-                </a:solidFill>
-              </a:uFill>
-              <a:latin typeface="Calibri"/>
+            <a:endParaRPr b="0" lang="en-GB" sz="3200" spc="-1" strike="noStrike">
+              <a:solidFill>
+                <a:srgbClr val="000000"/>
+              </a:solidFill>
+              <a:uFill>
+                <a:solidFill>
+                  <a:srgbClr val="ffffff"/>
+                </a:solidFill>
+              </a:uFill>
+              <a:latin typeface="Arial"/>
             </a:endParaRPr>
           </a:p>
         </p:txBody>
       </p:sp>
       <p:pic>
         <p:nvPicPr>
-          <p:cNvPr id="37" name="" descr=""/>
+          <p:cNvPr id="34" name="" descr=""/>
           <p:cNvPicPr/>
           <p:nvPr/>
         </p:nvPicPr>
@@ -895,8 +868,8 @@
         </p:blipFill>
         <p:spPr>
           <a:xfrm>
-            <a:off x="2079000" y="1604520"/>
-            <a:ext cx="4984920" cy="3977280"/>
+            <a:off x="2079360" y="1604160"/>
+            <a:ext cx="4984200" cy="3976920"/>
           </a:xfrm>
           <a:prstGeom prst="rect">
             <a:avLst/>
@@ -908,7 +881,7 @@
       </p:pic>
       <p:pic>
         <p:nvPicPr>
-          <p:cNvPr id="38" name="" descr=""/>
+          <p:cNvPr id="35" name="" descr=""/>
           <p:cNvPicPr/>
           <p:nvPr/>
         </p:nvPicPr>
@@ -918,8 +891,8 @@
         </p:blipFill>
         <p:spPr>
           <a:xfrm>
-            <a:off x="2079000" y="1604520"/>
-            <a:ext cx="4984920" cy="3977280"/>
+            <a:off x="2079360" y="1604160"/>
+            <a:ext cx="4984200" cy="3976920"/>
           </a:xfrm>
           <a:prstGeom prst="rect">
             <a:avLst/>
@@ -953,7 +926,7 @@
       </p:grpSpPr>
       <p:sp>
         <p:nvSpPr>
-          <p:cNvPr id="5" name="PlaceHolder 1"/>
+          <p:cNvPr id="2" name="PlaceHolder 1"/>
           <p:cNvSpPr>
             <a:spLocks noGrp="1"/>
           </p:cNvSpPr>
@@ -964,7 +937,7 @@
         <p:spPr>
           <a:xfrm>
             <a:off x="685800" y="2130480"/>
-            <a:ext cx="7772040" cy="1469520"/>
+            <a:ext cx="7771320" cy="1468800"/>
           </a:xfrm>
           <a:prstGeom prst="rect">
             <a:avLst/>
@@ -973,23 +946,24 @@
         <p:txBody>
           <a:bodyPr lIns="0" rIns="0" tIns="0" bIns="0" anchor="ctr"/>
           <a:p>
-            <a:endParaRPr b="0" lang="en-US" sz="1800" spc="-1" strike="noStrike">
-              <a:solidFill>
-                <a:srgbClr val="000000"/>
-              </a:solidFill>
-              <a:uFill>
-                <a:solidFill>
-                  <a:srgbClr val="ffffff"/>
-                </a:solidFill>
-              </a:uFill>
-              <a:latin typeface="Calibri"/>
-            </a:endParaRPr>
-          </a:p>
-        </p:txBody>
-      </p:sp>
-      <p:sp>
-        <p:nvSpPr>
-          <p:cNvPr id="6" name="PlaceHolder 2"/>
+            <a:pPr algn="ctr"/>
+            <a:endParaRPr b="0" lang="en-GB" sz="4400" spc="-1" strike="noStrike">
+              <a:solidFill>
+                <a:srgbClr val="000000"/>
+              </a:solidFill>
+              <a:uFill>
+                <a:solidFill>
+                  <a:srgbClr val="ffffff"/>
+                </a:solidFill>
+              </a:uFill>
+              <a:latin typeface="Arial"/>
+            </a:endParaRPr>
+          </a:p>
+        </p:txBody>
+      </p:sp>
+      <p:sp>
+        <p:nvSpPr>
+          <p:cNvPr id="3" name="PlaceHolder 2"/>
           <p:cNvSpPr>
             <a:spLocks noGrp="1"/>
           </p:cNvSpPr>
@@ -1000,7 +974,7 @@
         <p:spPr>
           <a:xfrm>
             <a:off x="457200" y="1604520"/>
-            <a:ext cx="8229240" cy="3977280"/>
+            <a:ext cx="8228880" cy="3976920"/>
           </a:xfrm>
           <a:prstGeom prst="rect">
             <a:avLst/>
@@ -1048,7 +1022,7 @@
       </p:grpSpPr>
       <p:sp>
         <p:nvSpPr>
-          <p:cNvPr id="7" name="PlaceHolder 1"/>
+          <p:cNvPr id="4" name="PlaceHolder 1"/>
           <p:cNvSpPr>
             <a:spLocks noGrp="1"/>
           </p:cNvSpPr>
@@ -1059,7 +1033,7 @@
         <p:spPr>
           <a:xfrm>
             <a:off x="685800" y="2130480"/>
-            <a:ext cx="7772040" cy="1469520"/>
+            <a:ext cx="7771320" cy="1468800"/>
           </a:xfrm>
           <a:prstGeom prst="rect">
             <a:avLst/>
@@ -1068,23 +1042,24 @@
         <p:txBody>
           <a:bodyPr lIns="0" rIns="0" tIns="0" bIns="0" anchor="ctr"/>
           <a:p>
-            <a:endParaRPr b="0" lang="en-US" sz="1800" spc="-1" strike="noStrike">
-              <a:solidFill>
-                <a:srgbClr val="000000"/>
-              </a:solidFill>
-              <a:uFill>
-                <a:solidFill>
-                  <a:srgbClr val="ffffff"/>
-                </a:solidFill>
-              </a:uFill>
-              <a:latin typeface="Calibri"/>
-            </a:endParaRPr>
-          </a:p>
-        </p:txBody>
-      </p:sp>
-      <p:sp>
-        <p:nvSpPr>
-          <p:cNvPr id="8" name="PlaceHolder 2"/>
+            <a:pPr algn="ctr"/>
+            <a:endParaRPr b="0" lang="en-GB" sz="4400" spc="-1" strike="noStrike">
+              <a:solidFill>
+                <a:srgbClr val="000000"/>
+              </a:solidFill>
+              <a:uFill>
+                <a:solidFill>
+                  <a:srgbClr val="ffffff"/>
+                </a:solidFill>
+              </a:uFill>
+              <a:latin typeface="Arial"/>
+            </a:endParaRPr>
+          </a:p>
+        </p:txBody>
+      </p:sp>
+      <p:sp>
+        <p:nvSpPr>
+          <p:cNvPr id="5" name="PlaceHolder 2"/>
           <p:cNvSpPr>
             <a:spLocks noGrp="1"/>
           </p:cNvSpPr>
@@ -1095,7 +1070,7 @@
         <p:spPr>
           <a:xfrm>
             <a:off x="457200" y="1604520"/>
-            <a:ext cx="8229240" cy="3977280"/>
+            <a:ext cx="8228880" cy="3976920"/>
           </a:xfrm>
           <a:prstGeom prst="rect">
             <a:avLst/>
@@ -1104,16 +1079,16 @@
         <p:txBody>
           <a:bodyPr lIns="0" rIns="0" tIns="0" bIns="0"/>
           <a:p>
-            <a:endParaRPr b="0" lang="en-US" sz="3200" spc="-1" strike="noStrike">
-              <a:solidFill>
-                <a:srgbClr val="000000"/>
-              </a:solidFill>
-              <a:uFill>
-                <a:solidFill>
-                  <a:srgbClr val="ffffff"/>
-                </a:solidFill>
-              </a:uFill>
-              <a:latin typeface="Calibri"/>
+            <a:endParaRPr b="0" lang="en-GB" sz="3200" spc="-1" strike="noStrike">
+              <a:solidFill>
+                <a:srgbClr val="000000"/>
+              </a:solidFill>
+              <a:uFill>
+                <a:solidFill>
+                  <a:srgbClr val="ffffff"/>
+                </a:solidFill>
+              </a:uFill>
+              <a:latin typeface="Arial"/>
             </a:endParaRPr>
           </a:p>
         </p:txBody>
@@ -1142,7 +1117,7 @@
       </p:grpSpPr>
       <p:sp>
         <p:nvSpPr>
-          <p:cNvPr id="9" name="PlaceHolder 1"/>
+          <p:cNvPr id="6" name="PlaceHolder 1"/>
           <p:cNvSpPr>
             <a:spLocks noGrp="1"/>
           </p:cNvSpPr>
@@ -1153,7 +1128,7 @@
         <p:spPr>
           <a:xfrm>
             <a:off x="685800" y="2130480"/>
-            <a:ext cx="7772040" cy="1469520"/>
+            <a:ext cx="7771320" cy="1468800"/>
           </a:xfrm>
           <a:prstGeom prst="rect">
             <a:avLst/>
@@ -1162,23 +1137,24 @@
         <p:txBody>
           <a:bodyPr lIns="0" rIns="0" tIns="0" bIns="0" anchor="ctr"/>
           <a:p>
-            <a:endParaRPr b="0" lang="en-US" sz="1800" spc="-1" strike="noStrike">
-              <a:solidFill>
-                <a:srgbClr val="000000"/>
-              </a:solidFill>
-              <a:uFill>
-                <a:solidFill>
-                  <a:srgbClr val="ffffff"/>
-                </a:solidFill>
-              </a:uFill>
-              <a:latin typeface="Calibri"/>
-            </a:endParaRPr>
-          </a:p>
-        </p:txBody>
-      </p:sp>
-      <p:sp>
-        <p:nvSpPr>
-          <p:cNvPr id="10" name="PlaceHolder 2"/>
+            <a:pPr algn="ctr"/>
+            <a:endParaRPr b="0" lang="en-GB" sz="4400" spc="-1" strike="noStrike">
+              <a:solidFill>
+                <a:srgbClr val="000000"/>
+              </a:solidFill>
+              <a:uFill>
+                <a:solidFill>
+                  <a:srgbClr val="ffffff"/>
+                </a:solidFill>
+              </a:uFill>
+              <a:latin typeface="Arial"/>
+            </a:endParaRPr>
+          </a:p>
+        </p:txBody>
+      </p:sp>
+      <p:sp>
+        <p:nvSpPr>
+          <p:cNvPr id="7" name="PlaceHolder 2"/>
           <p:cNvSpPr>
             <a:spLocks noGrp="1"/>
           </p:cNvSpPr>
@@ -1189,7 +1165,7 @@
         <p:spPr>
           <a:xfrm>
             <a:off x="457200" y="1604520"/>
-            <a:ext cx="4015800" cy="3977280"/>
+            <a:ext cx="4015440" cy="3976920"/>
           </a:xfrm>
           <a:prstGeom prst="rect">
             <a:avLst/>
@@ -1198,23 +1174,23 @@
         <p:txBody>
           <a:bodyPr lIns="0" rIns="0" tIns="0" bIns="0"/>
           <a:p>
-            <a:endParaRPr b="0" lang="en-US" sz="3200" spc="-1" strike="noStrike">
-              <a:solidFill>
-                <a:srgbClr val="000000"/>
-              </a:solidFill>
-              <a:uFill>
-                <a:solidFill>
-                  <a:srgbClr val="ffffff"/>
-                </a:solidFill>
-              </a:uFill>
-              <a:latin typeface="Calibri"/>
-            </a:endParaRPr>
-          </a:p>
-        </p:txBody>
-      </p:sp>
-      <p:sp>
-        <p:nvSpPr>
-          <p:cNvPr id="11" name="PlaceHolder 3"/>
+            <a:endParaRPr b="0" lang="en-GB" sz="3200" spc="-1" strike="noStrike">
+              <a:solidFill>
+                <a:srgbClr val="000000"/>
+              </a:solidFill>
+              <a:uFill>
+                <a:solidFill>
+                  <a:srgbClr val="ffffff"/>
+                </a:solidFill>
+              </a:uFill>
+              <a:latin typeface="Arial"/>
+            </a:endParaRPr>
+          </a:p>
+        </p:txBody>
+      </p:sp>
+      <p:sp>
+        <p:nvSpPr>
+          <p:cNvPr id="8" name="PlaceHolder 3"/>
           <p:cNvSpPr>
             <a:spLocks noGrp="1"/>
           </p:cNvSpPr>
@@ -1224,8 +1200,8 @@
         </p:nvSpPr>
         <p:spPr>
           <a:xfrm>
-            <a:off x="4674240" y="1604520"/>
-            <a:ext cx="4015800" cy="3977280"/>
+            <a:off x="4673880" y="1604520"/>
+            <a:ext cx="4015440" cy="3976920"/>
           </a:xfrm>
           <a:prstGeom prst="rect">
             <a:avLst/>
@@ -1234,16 +1210,16 @@
         <p:txBody>
           <a:bodyPr lIns="0" rIns="0" tIns="0" bIns="0"/>
           <a:p>
-            <a:endParaRPr b="0" lang="en-US" sz="3200" spc="-1" strike="noStrike">
-              <a:solidFill>
-                <a:srgbClr val="000000"/>
-              </a:solidFill>
-              <a:uFill>
-                <a:solidFill>
-                  <a:srgbClr val="ffffff"/>
-                </a:solidFill>
-              </a:uFill>
-              <a:latin typeface="Calibri"/>
+            <a:endParaRPr b="0" lang="en-GB" sz="3200" spc="-1" strike="noStrike">
+              <a:solidFill>
+                <a:srgbClr val="000000"/>
+              </a:solidFill>
+              <a:uFill>
+                <a:solidFill>
+                  <a:srgbClr val="ffffff"/>
+                </a:solidFill>
+              </a:uFill>
+              <a:latin typeface="Arial"/>
             </a:endParaRPr>
           </a:p>
         </p:txBody>
@@ -1272,7 +1248,7 @@
       </p:grpSpPr>
       <p:sp>
         <p:nvSpPr>
-          <p:cNvPr id="12" name="PlaceHolder 1"/>
+          <p:cNvPr id="9" name="PlaceHolder 1"/>
           <p:cNvSpPr>
             <a:spLocks noGrp="1"/>
           </p:cNvSpPr>
@@ -1283,7 +1259,7 @@
         <p:spPr>
           <a:xfrm>
             <a:off x="685800" y="2130480"/>
-            <a:ext cx="7772040" cy="1469520"/>
+            <a:ext cx="7771320" cy="1468800"/>
           </a:xfrm>
           <a:prstGeom prst="rect">
             <a:avLst/>
@@ -1292,16 +1268,17 @@
         <p:txBody>
           <a:bodyPr lIns="0" rIns="0" tIns="0" bIns="0" anchor="ctr"/>
           <a:p>
-            <a:endParaRPr b="0" lang="en-US" sz="1800" spc="-1" strike="noStrike">
-              <a:solidFill>
-                <a:srgbClr val="000000"/>
-              </a:solidFill>
-              <a:uFill>
-                <a:solidFill>
-                  <a:srgbClr val="ffffff"/>
-                </a:solidFill>
-              </a:uFill>
-              <a:latin typeface="Calibri"/>
+            <a:pPr algn="ctr"/>
+            <a:endParaRPr b="0" lang="en-GB" sz="4400" spc="-1" strike="noStrike">
+              <a:solidFill>
+                <a:srgbClr val="000000"/>
+              </a:solidFill>
+              <a:uFill>
+                <a:solidFill>
+                  <a:srgbClr val="ffffff"/>
+                </a:solidFill>
+              </a:uFill>
+              <a:latin typeface="Arial"/>
             </a:endParaRPr>
           </a:p>
         </p:txBody>
@@ -1330,7 +1307,7 @@
       </p:grpSpPr>
       <p:sp>
         <p:nvSpPr>
-          <p:cNvPr id="13" name="PlaceHolder 1"/>
+          <p:cNvPr id="10" name="PlaceHolder 1"/>
           <p:cNvSpPr>
             <a:spLocks noGrp="1"/>
           </p:cNvSpPr>
@@ -1341,7 +1318,7 @@
         <p:spPr>
           <a:xfrm>
             <a:off x="685800" y="2130480"/>
-            <a:ext cx="7772040" cy="6813000"/>
+            <a:ext cx="7771320" cy="6809760"/>
           </a:xfrm>
           <a:prstGeom prst="rect">
             <a:avLst/>
@@ -1389,7 +1366,7 @@
       </p:grpSpPr>
       <p:sp>
         <p:nvSpPr>
-          <p:cNvPr id="14" name="PlaceHolder 1"/>
+          <p:cNvPr id="11" name="PlaceHolder 1"/>
           <p:cNvSpPr>
             <a:spLocks noGrp="1"/>
           </p:cNvSpPr>
@@ -1400,7 +1377,7 @@
         <p:spPr>
           <a:xfrm>
             <a:off x="685800" y="2130480"/>
-            <a:ext cx="7772040" cy="1469520"/>
+            <a:ext cx="7771320" cy="1468800"/>
           </a:xfrm>
           <a:prstGeom prst="rect">
             <a:avLst/>
@@ -1409,23 +1386,24 @@
         <p:txBody>
           <a:bodyPr lIns="0" rIns="0" tIns="0" bIns="0" anchor="ctr"/>
           <a:p>
-            <a:endParaRPr b="0" lang="en-US" sz="1800" spc="-1" strike="noStrike">
-              <a:solidFill>
-                <a:srgbClr val="000000"/>
-              </a:solidFill>
-              <a:uFill>
-                <a:solidFill>
-                  <a:srgbClr val="ffffff"/>
-                </a:solidFill>
-              </a:uFill>
-              <a:latin typeface="Calibri"/>
-            </a:endParaRPr>
-          </a:p>
-        </p:txBody>
-      </p:sp>
-      <p:sp>
-        <p:nvSpPr>
-          <p:cNvPr id="15" name="PlaceHolder 2"/>
+            <a:pPr algn="ctr"/>
+            <a:endParaRPr b="0" lang="en-GB" sz="4400" spc="-1" strike="noStrike">
+              <a:solidFill>
+                <a:srgbClr val="000000"/>
+              </a:solidFill>
+              <a:uFill>
+                <a:solidFill>
+                  <a:srgbClr val="ffffff"/>
+                </a:solidFill>
+              </a:uFill>
+              <a:latin typeface="Arial"/>
+            </a:endParaRPr>
+          </a:p>
+        </p:txBody>
+      </p:sp>
+      <p:sp>
+        <p:nvSpPr>
+          <p:cNvPr id="12" name="PlaceHolder 2"/>
           <p:cNvSpPr>
             <a:spLocks noGrp="1"/>
           </p:cNvSpPr>
@@ -1436,7 +1414,7 @@
         <p:spPr>
           <a:xfrm>
             <a:off x="457200" y="1604520"/>
-            <a:ext cx="4015800" cy="1896840"/>
+            <a:ext cx="4015440" cy="1896840"/>
           </a:xfrm>
           <a:prstGeom prst="rect">
             <a:avLst/>
@@ -1445,23 +1423,23 @@
         <p:txBody>
           <a:bodyPr lIns="0" rIns="0" tIns="0" bIns="0"/>
           <a:p>
-            <a:endParaRPr b="0" lang="en-US" sz="3200" spc="-1" strike="noStrike">
-              <a:solidFill>
-                <a:srgbClr val="000000"/>
-              </a:solidFill>
-              <a:uFill>
-                <a:solidFill>
-                  <a:srgbClr val="ffffff"/>
-                </a:solidFill>
-              </a:uFill>
-              <a:latin typeface="Calibri"/>
-            </a:endParaRPr>
-          </a:p>
-        </p:txBody>
-      </p:sp>
-      <p:sp>
-        <p:nvSpPr>
-          <p:cNvPr id="16" name="PlaceHolder 3"/>
+            <a:endParaRPr b="0" lang="en-GB" sz="3200" spc="-1" strike="noStrike">
+              <a:solidFill>
+                <a:srgbClr val="000000"/>
+              </a:solidFill>
+              <a:uFill>
+                <a:solidFill>
+                  <a:srgbClr val="ffffff"/>
+                </a:solidFill>
+              </a:uFill>
+              <a:latin typeface="Arial"/>
+            </a:endParaRPr>
+          </a:p>
+        </p:txBody>
+      </p:sp>
+      <p:sp>
+        <p:nvSpPr>
+          <p:cNvPr id="13" name="PlaceHolder 3"/>
           <p:cNvSpPr>
             <a:spLocks noGrp="1"/>
           </p:cNvSpPr>
@@ -1472,7 +1450,7 @@
         <p:spPr>
           <a:xfrm>
             <a:off x="457200" y="3682080"/>
-            <a:ext cx="4015800" cy="1896840"/>
+            <a:ext cx="4015440" cy="1896840"/>
           </a:xfrm>
           <a:prstGeom prst="rect">
             <a:avLst/>
@@ -1481,23 +1459,23 @@
         <p:txBody>
           <a:bodyPr lIns="0" rIns="0" tIns="0" bIns="0"/>
           <a:p>
-            <a:endParaRPr b="0" lang="en-US" sz="3200" spc="-1" strike="noStrike">
-              <a:solidFill>
-                <a:srgbClr val="000000"/>
-              </a:solidFill>
-              <a:uFill>
-                <a:solidFill>
-                  <a:srgbClr val="ffffff"/>
-                </a:solidFill>
-              </a:uFill>
-              <a:latin typeface="Calibri"/>
-            </a:endParaRPr>
-          </a:p>
-        </p:txBody>
-      </p:sp>
-      <p:sp>
-        <p:nvSpPr>
-          <p:cNvPr id="17" name="PlaceHolder 4"/>
+            <a:endParaRPr b="0" lang="en-GB" sz="3200" spc="-1" strike="noStrike">
+              <a:solidFill>
+                <a:srgbClr val="000000"/>
+              </a:solidFill>
+              <a:uFill>
+                <a:solidFill>
+                  <a:srgbClr val="ffffff"/>
+                </a:solidFill>
+              </a:uFill>
+              <a:latin typeface="Arial"/>
+            </a:endParaRPr>
+          </a:p>
+        </p:txBody>
+      </p:sp>
+      <p:sp>
+        <p:nvSpPr>
+          <p:cNvPr id="14" name="PlaceHolder 4"/>
           <p:cNvSpPr>
             <a:spLocks noGrp="1"/>
           </p:cNvSpPr>
@@ -1507,8 +1485,8 @@
         </p:nvSpPr>
         <p:spPr>
           <a:xfrm>
-            <a:off x="4674240" y="1604520"/>
-            <a:ext cx="4015800" cy="3977280"/>
+            <a:off x="4673880" y="1604520"/>
+            <a:ext cx="4015440" cy="3976920"/>
           </a:xfrm>
           <a:prstGeom prst="rect">
             <a:avLst/>
@@ -1517,16 +1495,16 @@
         <p:txBody>
           <a:bodyPr lIns="0" rIns="0" tIns="0" bIns="0"/>
           <a:p>
-            <a:endParaRPr b="0" lang="en-US" sz="3200" spc="-1" strike="noStrike">
-              <a:solidFill>
-                <a:srgbClr val="000000"/>
-              </a:solidFill>
-              <a:uFill>
-                <a:solidFill>
-                  <a:srgbClr val="ffffff"/>
-                </a:solidFill>
-              </a:uFill>
-              <a:latin typeface="Calibri"/>
+            <a:endParaRPr b="0" lang="en-GB" sz="3200" spc="-1" strike="noStrike">
+              <a:solidFill>
+                <a:srgbClr val="000000"/>
+              </a:solidFill>
+              <a:uFill>
+                <a:solidFill>
+                  <a:srgbClr val="ffffff"/>
+                </a:solidFill>
+              </a:uFill>
+              <a:latin typeface="Arial"/>
             </a:endParaRPr>
           </a:p>
         </p:txBody>
@@ -1555,7 +1533,7 @@
       </p:grpSpPr>
       <p:sp>
         <p:nvSpPr>
-          <p:cNvPr id="18" name="PlaceHolder 1"/>
+          <p:cNvPr id="15" name="PlaceHolder 1"/>
           <p:cNvSpPr>
             <a:spLocks noGrp="1"/>
           </p:cNvSpPr>
@@ -1566,7 +1544,7 @@
         <p:spPr>
           <a:xfrm>
             <a:off x="685800" y="2130480"/>
-            <a:ext cx="7772040" cy="1469520"/>
+            <a:ext cx="7771320" cy="1468800"/>
           </a:xfrm>
           <a:prstGeom prst="rect">
             <a:avLst/>
@@ -1575,23 +1553,24 @@
         <p:txBody>
           <a:bodyPr lIns="0" rIns="0" tIns="0" bIns="0" anchor="ctr"/>
           <a:p>
-            <a:endParaRPr b="0" lang="en-US" sz="1800" spc="-1" strike="noStrike">
-              <a:solidFill>
-                <a:srgbClr val="000000"/>
-              </a:solidFill>
-              <a:uFill>
-                <a:solidFill>
-                  <a:srgbClr val="ffffff"/>
-                </a:solidFill>
-              </a:uFill>
-              <a:latin typeface="Calibri"/>
-            </a:endParaRPr>
-          </a:p>
-        </p:txBody>
-      </p:sp>
-      <p:sp>
-        <p:nvSpPr>
-          <p:cNvPr id="19" name="PlaceHolder 2"/>
+            <a:pPr algn="ctr"/>
+            <a:endParaRPr b="0" lang="en-GB" sz="4400" spc="-1" strike="noStrike">
+              <a:solidFill>
+                <a:srgbClr val="000000"/>
+              </a:solidFill>
+              <a:uFill>
+                <a:solidFill>
+                  <a:srgbClr val="ffffff"/>
+                </a:solidFill>
+              </a:uFill>
+              <a:latin typeface="Arial"/>
+            </a:endParaRPr>
+          </a:p>
+        </p:txBody>
+      </p:sp>
+      <p:sp>
+        <p:nvSpPr>
+          <p:cNvPr id="16" name="PlaceHolder 2"/>
           <p:cNvSpPr>
             <a:spLocks noGrp="1"/>
           </p:cNvSpPr>
@@ -1602,7 +1581,7 @@
         <p:spPr>
           <a:xfrm>
             <a:off x="457200" y="1604520"/>
-            <a:ext cx="4015800" cy="3977280"/>
+            <a:ext cx="4015440" cy="3976920"/>
           </a:xfrm>
           <a:prstGeom prst="rect">
             <a:avLst/>
@@ -1611,23 +1590,23 @@
         <p:txBody>
           <a:bodyPr lIns="0" rIns="0" tIns="0" bIns="0"/>
           <a:p>
-            <a:endParaRPr b="0" lang="en-US" sz="3200" spc="-1" strike="noStrike">
-              <a:solidFill>
-                <a:srgbClr val="000000"/>
-              </a:solidFill>
-              <a:uFill>
-                <a:solidFill>
-                  <a:srgbClr val="ffffff"/>
-                </a:solidFill>
-              </a:uFill>
-              <a:latin typeface="Calibri"/>
-            </a:endParaRPr>
-          </a:p>
-        </p:txBody>
-      </p:sp>
-      <p:sp>
-        <p:nvSpPr>
-          <p:cNvPr id="20" name="PlaceHolder 3"/>
+            <a:endParaRPr b="0" lang="en-GB" sz="3200" spc="-1" strike="noStrike">
+              <a:solidFill>
+                <a:srgbClr val="000000"/>
+              </a:solidFill>
+              <a:uFill>
+                <a:solidFill>
+                  <a:srgbClr val="ffffff"/>
+                </a:solidFill>
+              </a:uFill>
+              <a:latin typeface="Arial"/>
+            </a:endParaRPr>
+          </a:p>
+        </p:txBody>
+      </p:sp>
+      <p:sp>
+        <p:nvSpPr>
+          <p:cNvPr id="17" name="PlaceHolder 3"/>
           <p:cNvSpPr>
             <a:spLocks noGrp="1"/>
           </p:cNvSpPr>
@@ -1637,8 +1616,8 @@
         </p:nvSpPr>
         <p:spPr>
           <a:xfrm>
-            <a:off x="4674240" y="1604520"/>
-            <a:ext cx="4015800" cy="1896840"/>
+            <a:off x="4673880" y="1604520"/>
+            <a:ext cx="4015440" cy="1896840"/>
           </a:xfrm>
           <a:prstGeom prst="rect">
             <a:avLst/>
@@ -1647,23 +1626,23 @@
         <p:txBody>
           <a:bodyPr lIns="0" rIns="0" tIns="0" bIns="0"/>
           <a:p>
-            <a:endParaRPr b="0" lang="en-US" sz="3200" spc="-1" strike="noStrike">
-              <a:solidFill>
-                <a:srgbClr val="000000"/>
-              </a:solidFill>
-              <a:uFill>
-                <a:solidFill>
-                  <a:srgbClr val="ffffff"/>
-                </a:solidFill>
-              </a:uFill>
-              <a:latin typeface="Calibri"/>
-            </a:endParaRPr>
-          </a:p>
-        </p:txBody>
-      </p:sp>
-      <p:sp>
-        <p:nvSpPr>
-          <p:cNvPr id="21" name="PlaceHolder 4"/>
+            <a:endParaRPr b="0" lang="en-GB" sz="3200" spc="-1" strike="noStrike">
+              <a:solidFill>
+                <a:srgbClr val="000000"/>
+              </a:solidFill>
+              <a:uFill>
+                <a:solidFill>
+                  <a:srgbClr val="ffffff"/>
+                </a:solidFill>
+              </a:uFill>
+              <a:latin typeface="Arial"/>
+            </a:endParaRPr>
+          </a:p>
+        </p:txBody>
+      </p:sp>
+      <p:sp>
+        <p:nvSpPr>
+          <p:cNvPr id="18" name="PlaceHolder 4"/>
           <p:cNvSpPr>
             <a:spLocks noGrp="1"/>
           </p:cNvSpPr>
@@ -1673,8 +1652,8 @@
         </p:nvSpPr>
         <p:spPr>
           <a:xfrm>
-            <a:off x="4674240" y="3682080"/>
-            <a:ext cx="4015800" cy="1896840"/>
+            <a:off x="4673880" y="3682080"/>
+            <a:ext cx="4015440" cy="1896840"/>
           </a:xfrm>
           <a:prstGeom prst="rect">
             <a:avLst/>
@@ -1683,16 +1662,16 @@
         <p:txBody>
           <a:bodyPr lIns="0" rIns="0" tIns="0" bIns="0"/>
           <a:p>
-            <a:endParaRPr b="0" lang="en-US" sz="3200" spc="-1" strike="noStrike">
-              <a:solidFill>
-                <a:srgbClr val="000000"/>
-              </a:solidFill>
-              <a:uFill>
-                <a:solidFill>
-                  <a:srgbClr val="ffffff"/>
-                </a:solidFill>
-              </a:uFill>
-              <a:latin typeface="Calibri"/>
+            <a:endParaRPr b="0" lang="en-GB" sz="3200" spc="-1" strike="noStrike">
+              <a:solidFill>
+                <a:srgbClr val="000000"/>
+              </a:solidFill>
+              <a:uFill>
+                <a:solidFill>
+                  <a:srgbClr val="ffffff"/>
+                </a:solidFill>
+              </a:uFill>
+              <a:latin typeface="Arial"/>
             </a:endParaRPr>
           </a:p>
         </p:txBody>
@@ -1721,7 +1700,7 @@
       </p:grpSpPr>
       <p:sp>
         <p:nvSpPr>
-          <p:cNvPr id="22" name="PlaceHolder 1"/>
+          <p:cNvPr id="19" name="PlaceHolder 1"/>
           <p:cNvSpPr>
             <a:spLocks noGrp="1"/>
           </p:cNvSpPr>
@@ -1732,7 +1711,7 @@
         <p:spPr>
           <a:xfrm>
             <a:off x="685800" y="2130480"/>
-            <a:ext cx="7772040" cy="1469520"/>
+            <a:ext cx="7771320" cy="1468800"/>
           </a:xfrm>
           <a:prstGeom prst="rect">
             <a:avLst/>
@@ -1741,23 +1720,24 @@
         <p:txBody>
           <a:bodyPr lIns="0" rIns="0" tIns="0" bIns="0" anchor="ctr"/>
           <a:p>
-            <a:endParaRPr b="0" lang="en-US" sz="1800" spc="-1" strike="noStrike">
-              <a:solidFill>
-                <a:srgbClr val="000000"/>
-              </a:solidFill>
-              <a:uFill>
-                <a:solidFill>
-                  <a:srgbClr val="ffffff"/>
-                </a:solidFill>
-              </a:uFill>
-              <a:latin typeface="Calibri"/>
-            </a:endParaRPr>
-          </a:p>
-        </p:txBody>
-      </p:sp>
-      <p:sp>
-        <p:nvSpPr>
-          <p:cNvPr id="23" name="PlaceHolder 2"/>
+            <a:pPr algn="ctr"/>
+            <a:endParaRPr b="0" lang="en-GB" sz="4400" spc="-1" strike="noStrike">
+              <a:solidFill>
+                <a:srgbClr val="000000"/>
+              </a:solidFill>
+              <a:uFill>
+                <a:solidFill>
+                  <a:srgbClr val="ffffff"/>
+                </a:solidFill>
+              </a:uFill>
+              <a:latin typeface="Arial"/>
+            </a:endParaRPr>
+          </a:p>
+        </p:txBody>
+      </p:sp>
+      <p:sp>
+        <p:nvSpPr>
+          <p:cNvPr id="20" name="PlaceHolder 2"/>
           <p:cNvSpPr>
             <a:spLocks noGrp="1"/>
           </p:cNvSpPr>
@@ -1768,7 +1748,7 @@
         <p:spPr>
           <a:xfrm>
             <a:off x="457200" y="1604520"/>
-            <a:ext cx="4015800" cy="1896840"/>
+            <a:ext cx="4015440" cy="1896840"/>
           </a:xfrm>
           <a:prstGeom prst="rect">
             <a:avLst/>
@@ -1777,23 +1757,23 @@
         <p:txBody>
           <a:bodyPr lIns="0" rIns="0" tIns="0" bIns="0"/>
           <a:p>
-            <a:endParaRPr b="0" lang="en-US" sz="3200" spc="-1" strike="noStrike">
-              <a:solidFill>
-                <a:srgbClr val="000000"/>
-              </a:solidFill>
-              <a:uFill>
-                <a:solidFill>
-                  <a:srgbClr val="ffffff"/>
-                </a:solidFill>
-              </a:uFill>
-              <a:latin typeface="Calibri"/>
-            </a:endParaRPr>
-          </a:p>
-        </p:txBody>
-      </p:sp>
-      <p:sp>
-        <p:nvSpPr>
-          <p:cNvPr id="24" name="PlaceHolder 3"/>
+            <a:endParaRPr b="0" lang="en-GB" sz="3200" spc="-1" strike="noStrike">
+              <a:solidFill>
+                <a:srgbClr val="000000"/>
+              </a:solidFill>
+              <a:uFill>
+                <a:solidFill>
+                  <a:srgbClr val="ffffff"/>
+                </a:solidFill>
+              </a:uFill>
+              <a:latin typeface="Arial"/>
+            </a:endParaRPr>
+          </a:p>
+        </p:txBody>
+      </p:sp>
+      <p:sp>
+        <p:nvSpPr>
+          <p:cNvPr id="21" name="PlaceHolder 3"/>
           <p:cNvSpPr>
             <a:spLocks noGrp="1"/>
           </p:cNvSpPr>
@@ -1803,8 +1783,8 @@
         </p:nvSpPr>
         <p:spPr>
           <a:xfrm>
-            <a:off x="4674240" y="1604520"/>
-            <a:ext cx="4015800" cy="1896840"/>
+            <a:off x="4673880" y="1604520"/>
+            <a:ext cx="4015440" cy="1896840"/>
           </a:xfrm>
           <a:prstGeom prst="rect">
             <a:avLst/>
@@ -1813,23 +1793,23 @@
         <p:txBody>
           <a:bodyPr lIns="0" rIns="0" tIns="0" bIns="0"/>
           <a:p>
-            <a:endParaRPr b="0" lang="en-US" sz="3200" spc="-1" strike="noStrike">
-              <a:solidFill>
-                <a:srgbClr val="000000"/>
-              </a:solidFill>
-              <a:uFill>
-                <a:solidFill>
-                  <a:srgbClr val="ffffff"/>
-                </a:solidFill>
-              </a:uFill>
-              <a:latin typeface="Calibri"/>
-            </a:endParaRPr>
-          </a:p>
-        </p:txBody>
-      </p:sp>
-      <p:sp>
-        <p:nvSpPr>
-          <p:cNvPr id="25" name="PlaceHolder 4"/>
+            <a:endParaRPr b="0" lang="en-GB" sz="3200" spc="-1" strike="noStrike">
+              <a:solidFill>
+                <a:srgbClr val="000000"/>
+              </a:solidFill>
+              <a:uFill>
+                <a:solidFill>
+                  <a:srgbClr val="ffffff"/>
+                </a:solidFill>
+              </a:uFill>
+              <a:latin typeface="Arial"/>
+            </a:endParaRPr>
+          </a:p>
+        </p:txBody>
+      </p:sp>
+      <p:sp>
+        <p:nvSpPr>
+          <p:cNvPr id="22" name="PlaceHolder 4"/>
           <p:cNvSpPr>
             <a:spLocks noGrp="1"/>
           </p:cNvSpPr>
@@ -1840,7 +1820,7 @@
         <p:spPr>
           <a:xfrm>
             <a:off x="457200" y="3682080"/>
-            <a:ext cx="8229240" cy="1896840"/>
+            <a:ext cx="8228880" cy="1896840"/>
           </a:xfrm>
           <a:prstGeom prst="rect">
             <a:avLst/>
@@ -1849,16 +1829,16 @@
         <p:txBody>
           <a:bodyPr lIns="0" rIns="0" tIns="0" bIns="0"/>
           <a:p>
-            <a:endParaRPr b="0" lang="en-US" sz="3200" spc="-1" strike="noStrike">
-              <a:solidFill>
-                <a:srgbClr val="000000"/>
-              </a:solidFill>
-              <a:uFill>
-                <a:solidFill>
-                  <a:srgbClr val="ffffff"/>
-                </a:solidFill>
-              </a:uFill>
-              <a:latin typeface="Calibri"/>
+            <a:endParaRPr b="0" lang="en-GB" sz="3200" spc="-1" strike="noStrike">
+              <a:solidFill>
+                <a:srgbClr val="000000"/>
+              </a:solidFill>
+              <a:uFill>
+                <a:solidFill>
+                  <a:srgbClr val="ffffff"/>
+                </a:solidFill>
+              </a:uFill>
+              <a:latin typeface="Arial"/>
             </a:endParaRPr>
           </a:p>
         </p:txBody>
@@ -1905,44 +1885,26 @@
         <p:spPr>
           <a:xfrm>
             <a:off x="685800" y="2130480"/>
-            <a:ext cx="7772040" cy="1469520"/>
-          </a:xfrm>
-          <a:prstGeom prst="rect">
-            <a:avLst/>
-          </a:prstGeom>
-        </p:spPr>
-        <p:txBody>
-          <a:bodyPr anchor="ctr"/>
-          <a:p>
-            <a:pPr algn="ctr">
-              <a:lnSpc>
-                <a:spcPct val="100000"/>
-              </a:lnSpc>
-            </a:pPr>
-            <a:r>
-              <a:rPr b="0" lang="en-US" sz="4400" spc="-1" strike="noStrike">
-                <a:solidFill>
-                  <a:srgbClr val="000000"/>
-                </a:solidFill>
-                <a:uFill>
-                  <a:solidFill>
-                    <a:srgbClr val="ffffff"/>
-                  </a:solidFill>
-                </a:uFill>
-                <a:latin typeface="Calibri"/>
-              </a:rPr>
-              <a:t>Click to edit Master title style</a:t>
-            </a:r>
-            <a:endParaRPr b="0" lang="en-US" sz="1800" spc="-1" strike="noStrike">
-              <a:solidFill>
-                <a:srgbClr val="000000"/>
-              </a:solidFill>
-              <a:uFill>
-                <a:solidFill>
-                  <a:srgbClr val="ffffff"/>
-                </a:solidFill>
-              </a:uFill>
-              <a:latin typeface="Calibri"/>
+            <a:ext cx="7771320" cy="1468800"/>
+          </a:xfrm>
+          <a:prstGeom prst="rect">
+            <a:avLst/>
+          </a:prstGeom>
+        </p:spPr>
+        <p:txBody>
+          <a:bodyPr lIns="0" rIns="0" tIns="0" bIns="0" anchor="ctr"/>
+          <a:p>
+            <a:pPr algn="ctr"/>
+            <a:endParaRPr b="0" lang="en-GB" sz="4400" spc="-1" strike="noStrike">
+              <a:solidFill>
+                <a:srgbClr val="000000"/>
+              </a:solidFill>
+              <a:uFill>
+                <a:solidFill>
+                  <a:srgbClr val="ffffff"/>
+                </a:solidFill>
+              </a:uFill>
+              <a:latin typeface="Arial"/>
             </a:endParaRPr>
           </a:p>
         </p:txBody>
@@ -1950,152 +1912,6 @@
       <p:sp>
         <p:nvSpPr>
           <p:cNvPr id="1" name="PlaceHolder 2"/>
-          <p:cNvSpPr>
-            <a:spLocks noGrp="1"/>
-          </p:cNvSpPr>
-          <p:nvPr>
-            <p:ph type="dt"/>
-          </p:nvPr>
-        </p:nvSpPr>
-        <p:spPr>
-          <a:xfrm>
-            <a:off x="457200" y="6356520"/>
-            <a:ext cx="2133360" cy="364680"/>
-          </a:xfrm>
-          <a:prstGeom prst="rect">
-            <a:avLst/>
-          </a:prstGeom>
-        </p:spPr>
-        <p:txBody>
-          <a:bodyPr anchor="ctr"/>
-          <a:p>
-            <a:pPr>
-              <a:lnSpc>
-                <a:spcPct val="100000"/>
-              </a:lnSpc>
-            </a:pPr>
-            <a:r>
-              <a:rPr b="0" lang="en-GB" sz="1200" spc="-1" strike="noStrike">
-                <a:solidFill>
-                  <a:srgbClr val="8b8b8b"/>
-                </a:solidFill>
-                <a:uFill>
-                  <a:solidFill>
-                    <a:srgbClr val="ffffff"/>
-                  </a:solidFill>
-                </a:uFill>
-                <a:latin typeface="Calibri"/>
-              </a:rPr>
-              <a:t>08/10/16</a:t>
-            </a:r>
-            <a:endParaRPr b="0" lang="en-GB" sz="1400" spc="-1" strike="noStrike">
-              <a:solidFill>
-                <a:srgbClr val="000000"/>
-              </a:solidFill>
-              <a:uFill>
-                <a:solidFill>
-                  <a:srgbClr val="ffffff"/>
-                </a:solidFill>
-              </a:uFill>
-              <a:latin typeface="Times New Roman"/>
-            </a:endParaRPr>
-          </a:p>
-        </p:txBody>
-      </p:sp>
-      <p:sp>
-        <p:nvSpPr>
-          <p:cNvPr id="2" name="PlaceHolder 3"/>
-          <p:cNvSpPr>
-            <a:spLocks noGrp="1"/>
-          </p:cNvSpPr>
-          <p:nvPr>
-            <p:ph type="ftr"/>
-          </p:nvPr>
-        </p:nvSpPr>
-        <p:spPr>
-          <a:xfrm>
-            <a:off x="3124080" y="6356520"/>
-            <a:ext cx="2895120" cy="364680"/>
-          </a:xfrm>
-          <a:prstGeom prst="rect">
-            <a:avLst/>
-          </a:prstGeom>
-        </p:spPr>
-        <p:txBody>
-          <a:bodyPr anchor="ctr"/>
-          <a:p>
-            <a:endParaRPr b="0" lang="en-GB" sz="2400" spc="-1" strike="noStrike">
-              <a:solidFill>
-                <a:srgbClr val="000000"/>
-              </a:solidFill>
-              <a:uFill>
-                <a:solidFill>
-                  <a:srgbClr val="ffffff"/>
-                </a:solidFill>
-              </a:uFill>
-              <a:latin typeface="Times New Roman"/>
-            </a:endParaRPr>
-          </a:p>
-        </p:txBody>
-      </p:sp>
-      <p:sp>
-        <p:nvSpPr>
-          <p:cNvPr id="3" name="PlaceHolder 4"/>
-          <p:cNvSpPr>
-            <a:spLocks noGrp="1"/>
-          </p:cNvSpPr>
-          <p:nvPr>
-            <p:ph type="sldNum"/>
-          </p:nvPr>
-        </p:nvSpPr>
-        <p:spPr>
-          <a:xfrm>
-            <a:off x="6553080" y="6356520"/>
-            <a:ext cx="2133360" cy="364680"/>
-          </a:xfrm>
-          <a:prstGeom prst="rect">
-            <a:avLst/>
-          </a:prstGeom>
-        </p:spPr>
-        <p:txBody>
-          <a:bodyPr anchor="ctr"/>
-          <a:p>
-            <a:pPr algn="r">
-              <a:lnSpc>
-                <a:spcPct val="100000"/>
-              </a:lnSpc>
-            </a:pPr>
-            <a:fld id="{A98E2741-5940-4404-A640-64660FABDC9F}" type="slidenum">
-              <a:rPr b="0" lang="en-GB" sz="1200" spc="-1" strike="noStrike">
-                <a:solidFill>
-                  <a:srgbClr val="8b8b8b"/>
-                </a:solidFill>
-                <a:uFill>
-                  <a:solidFill>
-                    <a:srgbClr val="ffffff"/>
-                  </a:solidFill>
-                </a:uFill>
-                <a:latin typeface="Calibri"/>
-              </a:rPr>
-              <a:t>&lt;number&gt;</a:t>
-            </a:fld>
-            <a:endParaRPr b="0" lang="en-GB" sz="1400" spc="-1" strike="noStrike">
-              <a:solidFill>
-                <a:srgbClr val="000000"/>
-              </a:solidFill>
-              <a:uFill>
-                <a:solidFill>
-                  <a:srgbClr val="ffffff"/>
-                </a:solidFill>
-              </a:uFill>
-              <a:latin typeface="Times New Roman"/>
-            </a:endParaRPr>
-          </a:p>
-        </p:txBody>
-      </p:sp>
-      <p:sp>
-        <p:nvSpPr>
-          <p:cNvPr id="4" name="PlaceHolder 5"/>
           <p:cNvSpPr>
             <a:spLocks noGrp="1"/>
           </p:cNvSpPr>
@@ -2106,7 +1922,7 @@
         <p:spPr>
           <a:xfrm>
             <a:off x="457200" y="1604520"/>
-            <a:ext cx="8229240" cy="3977280"/>
+            <a:ext cx="8228880" cy="3976920"/>
           </a:xfrm>
           <a:prstGeom prst="rect">
             <a:avLst/>
@@ -2124,7 +1940,7 @@
               <a:buChar char=""/>
             </a:pPr>
             <a:r>
-              <a:rPr b="0" lang="en-US" sz="3200" spc="-1" strike="noStrike">
+              <a:rPr b="0" lang="en-GB" sz="1800" spc="-1" strike="noStrike">
                 <a:solidFill>
                   <a:srgbClr val="000000"/>
                 </a:solidFill>
@@ -2133,20 +1949,20 @@
                     <a:srgbClr val="ffffff"/>
                   </a:solidFill>
                 </a:uFill>
-                <a:latin typeface="Calibri"/>
+                <a:latin typeface="Arial"/>
               </a:rPr>
               <a:t>Click to edit the outline text format</a:t>
             </a:r>
-            <a:endParaRPr b="0" lang="en-US" sz="3200" spc="-1" strike="noStrike">
-              <a:solidFill>
-                <a:srgbClr val="000000"/>
-              </a:solidFill>
-              <a:uFill>
-                <a:solidFill>
-                  <a:srgbClr val="ffffff"/>
-                </a:solidFill>
-              </a:uFill>
-              <a:latin typeface="Calibri"/>
+            <a:endParaRPr b="0" lang="en-GB" sz="1800" spc="-1" strike="noStrike">
+              <a:solidFill>
+                <a:srgbClr val="000000"/>
+              </a:solidFill>
+              <a:uFill>
+                <a:solidFill>
+                  <a:srgbClr val="ffffff"/>
+                </a:solidFill>
+              </a:uFill>
+              <a:latin typeface="Arial"/>
             </a:endParaRPr>
           </a:p>
           <a:p>
@@ -2159,7 +1975,7 @@
               <a:buChar char=""/>
             </a:pPr>
             <a:r>
-              <a:rPr b="0" lang="en-US" sz="2400" spc="-1" strike="noStrike">
+              <a:rPr b="0" lang="en-GB" sz="1800" spc="-1" strike="noStrike">
                 <a:solidFill>
                   <a:srgbClr val="000000"/>
                 </a:solidFill>
@@ -2168,20 +1984,20 @@
                     <a:srgbClr val="ffffff"/>
                   </a:solidFill>
                 </a:uFill>
-                <a:latin typeface="Calibri"/>
+                <a:latin typeface="Arial"/>
               </a:rPr>
               <a:t>Second Outline Level</a:t>
             </a:r>
-            <a:endParaRPr b="0" lang="en-US" sz="2400" spc="-1" strike="noStrike">
-              <a:solidFill>
-                <a:srgbClr val="000000"/>
-              </a:solidFill>
-              <a:uFill>
-                <a:solidFill>
-                  <a:srgbClr val="ffffff"/>
-                </a:solidFill>
-              </a:uFill>
-              <a:latin typeface="Calibri"/>
+            <a:endParaRPr b="0" lang="en-GB" sz="1800" spc="-1" strike="noStrike">
+              <a:solidFill>
+                <a:srgbClr val="000000"/>
+              </a:solidFill>
+              <a:uFill>
+                <a:solidFill>
+                  <a:srgbClr val="ffffff"/>
+                </a:solidFill>
+              </a:uFill>
+              <a:latin typeface="Arial"/>
             </a:endParaRPr>
           </a:p>
           <a:p>
@@ -2194,7 +2010,7 @@
               <a:buChar char=""/>
             </a:pPr>
             <a:r>
-              <a:rPr b="0" lang="en-US" sz="2000" spc="-1" strike="noStrike">
+              <a:rPr b="0" lang="en-GB" sz="1800" spc="-1" strike="noStrike">
                 <a:solidFill>
                   <a:srgbClr val="000000"/>
                 </a:solidFill>
@@ -2203,20 +2019,20 @@
                     <a:srgbClr val="ffffff"/>
                   </a:solidFill>
                 </a:uFill>
-                <a:latin typeface="Calibri"/>
+                <a:latin typeface="Arial"/>
               </a:rPr>
               <a:t>Third Outline Level</a:t>
             </a:r>
-            <a:endParaRPr b="0" lang="en-US" sz="2000" spc="-1" strike="noStrike">
-              <a:solidFill>
-                <a:srgbClr val="000000"/>
-              </a:solidFill>
-              <a:uFill>
-                <a:solidFill>
-                  <a:srgbClr val="ffffff"/>
-                </a:solidFill>
-              </a:uFill>
-              <a:latin typeface="Calibri"/>
+            <a:endParaRPr b="0" lang="en-GB" sz="1800" spc="-1" strike="noStrike">
+              <a:solidFill>
+                <a:srgbClr val="000000"/>
+              </a:solidFill>
+              <a:uFill>
+                <a:solidFill>
+                  <a:srgbClr val="ffffff"/>
+                </a:solidFill>
+              </a:uFill>
+              <a:latin typeface="Arial"/>
             </a:endParaRPr>
           </a:p>
           <a:p>
@@ -2229,7 +2045,7 @@
               <a:buChar char=""/>
             </a:pPr>
             <a:r>
-              <a:rPr b="0" lang="en-US" sz="2000" spc="-1" strike="noStrike">
+              <a:rPr b="0" lang="en-GB" sz="1800" spc="-1" strike="noStrike">
                 <a:solidFill>
                   <a:srgbClr val="000000"/>
                 </a:solidFill>
@@ -2238,20 +2054,20 @@
                     <a:srgbClr val="ffffff"/>
                   </a:solidFill>
                 </a:uFill>
-                <a:latin typeface="Calibri"/>
+                <a:latin typeface="Arial"/>
               </a:rPr>
               <a:t>Fourth Outline Level</a:t>
             </a:r>
-            <a:endParaRPr b="0" lang="en-US" sz="2000" spc="-1" strike="noStrike">
-              <a:solidFill>
-                <a:srgbClr val="000000"/>
-              </a:solidFill>
-              <a:uFill>
-                <a:solidFill>
-                  <a:srgbClr val="ffffff"/>
-                </a:solidFill>
-              </a:uFill>
-              <a:latin typeface="Calibri"/>
+            <a:endParaRPr b="0" lang="en-GB" sz="1800" spc="-1" strike="noStrike">
+              <a:solidFill>
+                <a:srgbClr val="000000"/>
+              </a:solidFill>
+              <a:uFill>
+                <a:solidFill>
+                  <a:srgbClr val="ffffff"/>
+                </a:solidFill>
+              </a:uFill>
+              <a:latin typeface="Arial"/>
             </a:endParaRPr>
           </a:p>
           <a:p>
@@ -2264,7 +2080,7 @@
               <a:buChar char=""/>
             </a:pPr>
             <a:r>
-              <a:rPr b="0" lang="en-US" sz="2000" spc="-1" strike="noStrike">
+              <a:rPr b="0" lang="en-GB" sz="1800" spc="-1" strike="noStrike">
                 <a:solidFill>
                   <a:srgbClr val="000000"/>
                 </a:solidFill>
@@ -2273,20 +2089,20 @@
                     <a:srgbClr val="ffffff"/>
                   </a:solidFill>
                 </a:uFill>
-                <a:latin typeface="Calibri"/>
+                <a:latin typeface="Arial"/>
               </a:rPr>
               <a:t>Fifth Outline Level</a:t>
             </a:r>
-            <a:endParaRPr b="0" lang="en-US" sz="2000" spc="-1" strike="noStrike">
-              <a:solidFill>
-                <a:srgbClr val="000000"/>
-              </a:solidFill>
-              <a:uFill>
-                <a:solidFill>
-                  <a:srgbClr val="ffffff"/>
-                </a:solidFill>
-              </a:uFill>
-              <a:latin typeface="Calibri"/>
+            <a:endParaRPr b="0" lang="en-GB" sz="1800" spc="-1" strike="noStrike">
+              <a:solidFill>
+                <a:srgbClr val="000000"/>
+              </a:solidFill>
+              <a:uFill>
+                <a:solidFill>
+                  <a:srgbClr val="ffffff"/>
+                </a:solidFill>
+              </a:uFill>
+              <a:latin typeface="Arial"/>
             </a:endParaRPr>
           </a:p>
           <a:p>
@@ -2299,7 +2115,7 @@
               <a:buChar char=""/>
             </a:pPr>
             <a:r>
-              <a:rPr b="0" lang="en-US" sz="2000" spc="-1" strike="noStrike">
+              <a:rPr b="0" lang="en-GB" sz="1800" spc="-1" strike="noStrike">
                 <a:solidFill>
                   <a:srgbClr val="000000"/>
                 </a:solidFill>
@@ -2308,20 +2124,20 @@
                     <a:srgbClr val="ffffff"/>
                   </a:solidFill>
                 </a:uFill>
-                <a:latin typeface="Calibri"/>
+                <a:latin typeface="Arial"/>
               </a:rPr>
               <a:t>Sixth Outline Level</a:t>
             </a:r>
-            <a:endParaRPr b="0" lang="en-US" sz="2000" spc="-1" strike="noStrike">
-              <a:solidFill>
-                <a:srgbClr val="000000"/>
-              </a:solidFill>
-              <a:uFill>
-                <a:solidFill>
-                  <a:srgbClr val="ffffff"/>
-                </a:solidFill>
-              </a:uFill>
-              <a:latin typeface="Calibri"/>
+            <a:endParaRPr b="0" lang="en-GB" sz="1800" spc="-1" strike="noStrike">
+              <a:solidFill>
+                <a:srgbClr val="000000"/>
+              </a:solidFill>
+              <a:uFill>
+                <a:solidFill>
+                  <a:srgbClr val="ffffff"/>
+                </a:solidFill>
+              </a:uFill>
+              <a:latin typeface="Arial"/>
             </a:endParaRPr>
           </a:p>
           <a:p>
@@ -2334,7 +2150,7 @@
               <a:buChar char=""/>
             </a:pPr>
             <a:r>
-              <a:rPr b="0" lang="en-US" sz="2000" spc="-1" strike="noStrike">
+              <a:rPr b="0" lang="en-GB" sz="1800" spc="-1" strike="noStrike">
                 <a:solidFill>
                   <a:srgbClr val="000000"/>
                 </a:solidFill>
@@ -2343,20 +2159,20 @@
                     <a:srgbClr val="ffffff"/>
                   </a:solidFill>
                 </a:uFill>
-                <a:latin typeface="Calibri"/>
+                <a:latin typeface="Arial"/>
               </a:rPr>
               <a:t>Seventh Outline Level</a:t>
             </a:r>
-            <a:endParaRPr b="0" lang="en-US" sz="2000" spc="-1" strike="noStrike">
-              <a:solidFill>
-                <a:srgbClr val="000000"/>
-              </a:solidFill>
-              <a:uFill>
-                <a:solidFill>
-                  <a:srgbClr val="ffffff"/>
-                </a:solidFill>
-              </a:uFill>
-              <a:latin typeface="Calibri"/>
+            <a:endParaRPr b="0" lang="en-GB" sz="1800" spc="-1" strike="noStrike">
+              <a:solidFill>
+                <a:srgbClr val="000000"/>
+              </a:solidFill>
+              <a:uFill>
+                <a:solidFill>
+                  <a:srgbClr val="ffffff"/>
+                </a:solidFill>
+              </a:uFill>
+              <a:latin typeface="Arial"/>
             </a:endParaRPr>
           </a:p>
         </p:txBody>
@@ -2400,14 +2216,14 @@
       </p:grpSpPr>
       <p:sp>
         <p:nvSpPr>
-          <p:cNvPr id="44" name="CustomShape 1"/>
+          <p:cNvPr id="41" name="CustomShape 1"/>
           <p:cNvSpPr/>
           <p:nvPr/>
         </p:nvSpPr>
         <p:spPr>
           <a:xfrm>
             <a:off x="1936440" y="950040"/>
-            <a:ext cx="4714920" cy="3654360"/>
+            <a:ext cx="4714200" cy="3653640"/>
           </a:xfrm>
           <a:custGeom>
             <a:avLst/>
@@ -2454,14 +2270,14 @@
       </p:sp>
       <p:sp>
         <p:nvSpPr>
-          <p:cNvPr id="45" name="CustomShape 2"/>
+          <p:cNvPr id="42" name="CustomShape 2"/>
           <p:cNvSpPr/>
           <p:nvPr/>
         </p:nvSpPr>
         <p:spPr>
           <a:xfrm>
             <a:off x="1963080" y="1275840"/>
-            <a:ext cx="4688640" cy="4361760"/>
+            <a:ext cx="4687920" cy="4361040"/>
           </a:xfrm>
           <a:custGeom>
             <a:avLst/>
@@ -2511,14 +2327,14 @@
       </p:sp>
       <p:sp>
         <p:nvSpPr>
-          <p:cNvPr id="46" name="CustomShape 3"/>
+          <p:cNvPr id="43" name="CustomShape 3"/>
           <p:cNvSpPr/>
           <p:nvPr/>
         </p:nvSpPr>
         <p:spPr>
           <a:xfrm>
             <a:off x="1926720" y="524880"/>
-            <a:ext cx="4748040" cy="5155920"/>
+            <a:ext cx="4747320" cy="5155200"/>
           </a:xfrm>
           <a:custGeom>
             <a:avLst/>
@@ -2559,14 +2375,14 @@
       </p:sp>
       <p:sp>
         <p:nvSpPr>
-          <p:cNvPr id="47" name="CustomShape 4"/>
+          <p:cNvPr id="44" name="CustomShape 4"/>
           <p:cNvSpPr/>
           <p:nvPr/>
         </p:nvSpPr>
         <p:spPr>
           <a:xfrm>
             <a:off x="1916640" y="4669920"/>
-            <a:ext cx="85320" cy="80280"/>
+            <a:ext cx="84600" cy="79560"/>
           </a:xfrm>
           <a:prstGeom prst="ellipse">
             <a:avLst/>
@@ -2590,14 +2406,14 @@
       </p:sp>
       <p:sp>
         <p:nvSpPr>
-          <p:cNvPr id="48" name="CustomShape 5"/>
+          <p:cNvPr id="45" name="CustomShape 5"/>
           <p:cNvSpPr/>
           <p:nvPr/>
         </p:nvSpPr>
         <p:spPr>
           <a:xfrm>
             <a:off x="6648480" y="1161000"/>
-            <a:ext cx="85320" cy="80280"/>
+            <a:ext cx="84600" cy="79560"/>
           </a:xfrm>
           <a:prstGeom prst="ellipse">
             <a:avLst/>
@@ -2621,14 +2437,14 @@
       </p:sp>
       <p:sp>
         <p:nvSpPr>
-          <p:cNvPr id="49" name="CustomShape 6"/>
+          <p:cNvPr id="46" name="CustomShape 6"/>
           <p:cNvSpPr/>
           <p:nvPr/>
         </p:nvSpPr>
         <p:spPr>
           <a:xfrm>
             <a:off x="1689120" y="5644080"/>
-            <a:ext cx="488160" cy="638640"/>
+            <a:ext cx="487440" cy="637920"/>
           </a:xfrm>
           <a:prstGeom prst="rect">
             <a:avLst/>
@@ -2647,7 +2463,7 @@
         <p:txBody>
           <a:bodyPr lIns="90000" rIns="90000" tIns="46800" bIns="46800"/>
           <a:p>
-            <a:pPr marL="457200" indent="-455400" algn="r" rtl="1">
+            <a:pPr marL="457200" indent="-454680" algn="r" rtl="1">
               <a:lnSpc>
                 <a:spcPct val="100000"/>
               </a:lnSpc>
@@ -2663,6 +2479,7 @@
                   </a:solidFill>
                 </a:uFill>
                 <a:latin typeface="Times New Roman"/>
+                <a:ea typeface="DejaVu Sans"/>
               </a:rPr>
               <a:t>0</a:t>
             </a:r>
@@ -2682,14 +2499,14 @@
       </p:sp>
       <p:sp>
         <p:nvSpPr>
-          <p:cNvPr id="50" name="CustomShape 7"/>
+          <p:cNvPr id="47" name="CustomShape 7"/>
           <p:cNvSpPr/>
           <p:nvPr/>
         </p:nvSpPr>
         <p:spPr>
           <a:xfrm>
             <a:off x="6143760" y="5607000"/>
-            <a:ext cx="946800" cy="276480"/>
+            <a:ext cx="946080" cy="275760"/>
           </a:xfrm>
           <a:prstGeom prst="rect">
             <a:avLst/>
@@ -2708,7 +2525,7 @@
         <p:txBody>
           <a:bodyPr lIns="90000" rIns="90000" tIns="46800" bIns="46800"/>
           <a:p>
-            <a:pPr marL="457200" indent="-455400" algn="r" rtl="1">
+            <a:pPr marL="457200" indent="-454680" algn="r" rtl="1">
               <a:lnSpc>
                 <a:spcPct val="100000"/>
               </a:lnSpc>
@@ -2724,6 +2541,7 @@
                   </a:solidFill>
                 </a:uFill>
                 <a:latin typeface="Times New Roman"/>
+                <a:ea typeface="DejaVu Sans"/>
               </a:rPr>
               <a:t>1.0</a:t>
             </a:r>
@@ -2743,14 +2561,14 @@
       </p:sp>
       <p:sp>
         <p:nvSpPr>
-          <p:cNvPr id="51" name="CustomShape 8"/>
+          <p:cNvPr id="48" name="CustomShape 8"/>
           <p:cNvSpPr/>
           <p:nvPr/>
         </p:nvSpPr>
         <p:spPr>
           <a:xfrm>
             <a:off x="586800" y="6072480"/>
-            <a:ext cx="7513200" cy="307080"/>
+            <a:ext cx="7512480" cy="306360"/>
           </a:xfrm>
           <a:prstGeom prst="rect">
             <a:avLst/>
@@ -2769,7 +2587,7 @@
         <p:txBody>
           <a:bodyPr lIns="90000" rIns="90000" tIns="46800" bIns="46800"/>
           <a:p>
-            <a:pPr marL="457200" indent="-455400" algn="ctr" rtl="1">
+            <a:pPr marL="457200" indent="-454680" algn="ctr" rtl="1">
               <a:lnSpc>
                 <a:spcPct val="100000"/>
               </a:lnSpc>
@@ -2785,6 +2603,7 @@
                   </a:solidFill>
                 </a:uFill>
                 <a:latin typeface="Calibri"/>
+                <a:ea typeface="DejaVu Sans"/>
               </a:rPr>
               <a:t>Composition (mole fraction light component)</a:t>
             </a:r>
@@ -2804,14 +2623,14 @@
       </p:sp>
       <p:sp>
         <p:nvSpPr>
-          <p:cNvPr id="52" name="CustomShape 9"/>
+          <p:cNvPr id="49" name="CustomShape 9"/>
           <p:cNvSpPr/>
           <p:nvPr/>
         </p:nvSpPr>
         <p:spPr>
           <a:xfrm>
-            <a:off x="1309680" y="2650320"/>
-            <a:ext cx="471600" cy="1802160"/>
+            <a:off x="1237680" y="2542320"/>
+            <a:ext cx="470880" cy="1801440"/>
           </a:xfrm>
           <a:prstGeom prst="rect">
             <a:avLst/>
@@ -2830,7 +2649,7 @@
         <p:txBody>
           <a:bodyPr lIns="46800" rIns="46800" tIns="90000" bIns="90000" vert="vert"/>
           <a:p>
-            <a:pPr marL="457200" indent="-455400" algn="ctr" rtl="1">
+            <a:pPr marL="457200" indent="-454680" algn="ctr" rtl="1">
               <a:lnSpc>
                 <a:spcPct val="100000"/>
               </a:lnSpc>
@@ -2846,6 +2665,7 @@
                   </a:solidFill>
                 </a:uFill>
                 <a:latin typeface="Calibri"/>
+                <a:ea typeface="DejaVu Sans"/>
               </a:rPr>
               <a:t>Pressure</a:t>
             </a:r>
@@ -2865,14 +2685,14 @@
       </p:sp>
       <p:sp>
         <p:nvSpPr>
-          <p:cNvPr id="53" name="CustomShape 10"/>
+          <p:cNvPr id="50" name="CustomShape 10"/>
           <p:cNvSpPr/>
           <p:nvPr/>
         </p:nvSpPr>
         <p:spPr>
           <a:xfrm>
             <a:off x="6684840" y="1030680"/>
-            <a:ext cx="385560" cy="613440"/>
+            <a:ext cx="384840" cy="612720"/>
           </a:xfrm>
           <a:prstGeom prst="rect">
             <a:avLst/>
@@ -2891,7 +2711,7 @@
         <p:txBody>
           <a:bodyPr lIns="90000" rIns="90000" tIns="46800" bIns="46800"/>
           <a:p>
-            <a:pPr marL="457200" indent="-455400" algn="r" rtl="1">
+            <a:pPr marL="457200" indent="-454680" algn="r" rtl="1">
               <a:lnSpc>
                 <a:spcPct val="100000"/>
               </a:lnSpc>
@@ -2907,6 +2727,7 @@
                   </a:solidFill>
                 </a:uFill>
                 <a:latin typeface="Calibri"/>
+                <a:ea typeface="DejaVu Sans"/>
               </a:rPr>
               <a:t>P</a:t>
             </a:r>
@@ -2921,6 +2742,7 @@
                   </a:solidFill>
                 </a:uFill>
                 <a:latin typeface="Calibri"/>
+                <a:ea typeface="DejaVu Sans"/>
               </a:rPr>
               <a:t>L</a:t>
             </a:r>
@@ -2940,14 +2762,14 @@
       </p:sp>
       <p:sp>
         <p:nvSpPr>
-          <p:cNvPr id="54" name="CustomShape 11"/>
+          <p:cNvPr id="51" name="CustomShape 11"/>
           <p:cNvSpPr/>
           <p:nvPr/>
         </p:nvSpPr>
         <p:spPr>
           <a:xfrm rot="20922000">
-            <a:off x="1554120" y="1638720"/>
-            <a:ext cx="5476680" cy="2658960"/>
+            <a:off x="1553760" y="1638720"/>
+            <a:ext cx="5475960" cy="2658240"/>
           </a:xfrm>
           <a:custGeom>
             <a:avLst/>
@@ -3002,14 +2824,14 @@
       </p:sp>
       <p:sp>
         <p:nvSpPr>
-          <p:cNvPr id="55" name="CustomShape 12"/>
+          <p:cNvPr id="52" name="CustomShape 12"/>
           <p:cNvSpPr/>
           <p:nvPr/>
         </p:nvSpPr>
         <p:spPr>
           <a:xfrm>
             <a:off x="1936440" y="382320"/>
-            <a:ext cx="4737960" cy="368280"/>
+            <a:ext cx="4737240" cy="367560"/>
           </a:xfrm>
           <a:prstGeom prst="rect">
             <a:avLst/>
@@ -3028,7 +2850,7 @@
         <p:txBody>
           <a:bodyPr lIns="90000" rIns="90000" tIns="46800" bIns="46800"/>
           <a:p>
-            <a:pPr marL="457200" indent="-455400" algn="ctr">
+            <a:pPr marL="457200" indent="-454680" algn="ctr">
               <a:lnSpc>
                 <a:spcPct val="100000"/>
               </a:lnSpc>
@@ -3044,6 +2866,7 @@
                   </a:solidFill>
                 </a:uFill>
                 <a:latin typeface="Arial"/>
+                <a:ea typeface="DejaVu Sans"/>
               </a:rPr>
               <a:t>Constant T</a:t>
             </a:r>
@@ -3063,7 +2886,7 @@
       </p:sp>
       <p:sp>
         <p:nvSpPr>
-          <p:cNvPr id="56" name="Line 13"/>
+          <p:cNvPr id="53" name="Line 13"/>
           <p:cNvSpPr/>
           <p:nvPr/>
         </p:nvSpPr>
@@ -3100,7 +2923,7 @@
       </p:sp>
       <p:sp>
         <p:nvSpPr>
-          <p:cNvPr id="57" name="Line 14"/>
+          <p:cNvPr id="54" name="Line 14"/>
           <p:cNvSpPr/>
           <p:nvPr/>
         </p:nvSpPr>
@@ -3137,7 +2960,7 @@
       </p:sp>
       <p:sp>
         <p:nvSpPr>
-          <p:cNvPr id="58" name="Line 15"/>
+          <p:cNvPr id="55" name="Line 15"/>
           <p:cNvSpPr/>
           <p:nvPr/>
         </p:nvSpPr>
@@ -3174,14 +2997,14 @@
       </p:sp>
       <p:sp>
         <p:nvSpPr>
-          <p:cNvPr id="59" name="CustomShape 16"/>
+          <p:cNvPr id="56" name="CustomShape 16"/>
           <p:cNvSpPr/>
           <p:nvPr/>
         </p:nvSpPr>
         <p:spPr>
           <a:xfrm>
             <a:off x="3857400" y="5670720"/>
-            <a:ext cx="420480" cy="401400"/>
+            <a:ext cx="419760" cy="400680"/>
           </a:xfrm>
           <a:prstGeom prst="rect">
             <a:avLst/>
@@ -3216,6 +3039,7 @@
                   </a:solidFill>
                 </a:uFill>
                 <a:latin typeface="Calibri"/>
+                <a:ea typeface="DejaVu Sans"/>
               </a:rPr>
               <a:t>x</a:t>
             </a:r>
@@ -3230,6 +3054,7 @@
                   </a:solidFill>
                 </a:uFill>
                 <a:latin typeface="Calibri"/>
+                <a:ea typeface="DejaVu Sans"/>
               </a:rPr>
               <a:t>Q</a:t>
             </a:r>
@@ -3249,14 +3074,14 @@
       </p:sp>
       <p:sp>
         <p:nvSpPr>
-          <p:cNvPr id="60" name="CustomShape 17"/>
+          <p:cNvPr id="57" name="CustomShape 17"/>
           <p:cNvSpPr/>
           <p:nvPr/>
         </p:nvSpPr>
         <p:spPr>
           <a:xfrm>
             <a:off x="5156280" y="5661360"/>
-            <a:ext cx="420480" cy="401400"/>
+            <a:ext cx="419760" cy="400680"/>
           </a:xfrm>
           <a:prstGeom prst="rect">
             <a:avLst/>
@@ -3291,6 +3116,7 @@
                   </a:solidFill>
                 </a:uFill>
                 <a:latin typeface="Calibri"/>
+                <a:ea typeface="DejaVu Sans"/>
               </a:rPr>
               <a:t>y</a:t>
             </a:r>
@@ -3305,6 +3131,7 @@
                   </a:solidFill>
                 </a:uFill>
                 <a:latin typeface="Calibri"/>
+                <a:ea typeface="DejaVu Sans"/>
               </a:rPr>
               <a:t>Q</a:t>
             </a:r>
@@ -3324,14 +3151,14 @@
       </p:sp>
       <p:sp>
         <p:nvSpPr>
-          <p:cNvPr id="61" name="CustomShape 18"/>
+          <p:cNvPr id="58" name="CustomShape 18"/>
           <p:cNvSpPr/>
           <p:nvPr/>
         </p:nvSpPr>
         <p:spPr>
           <a:xfrm>
             <a:off x="1547280" y="4511880"/>
-            <a:ext cx="385560" cy="613440"/>
+            <a:ext cx="384840" cy="612720"/>
           </a:xfrm>
           <a:prstGeom prst="rect">
             <a:avLst/>
@@ -3350,7 +3177,7 @@
         <p:txBody>
           <a:bodyPr lIns="90000" rIns="90000" tIns="46800" bIns="46800"/>
           <a:p>
-            <a:pPr marL="457200" indent="-455400" algn="r" rtl="1">
+            <a:pPr marL="457200" indent="-454680" algn="r" rtl="1">
               <a:lnSpc>
                 <a:spcPct val="100000"/>
               </a:lnSpc>
@@ -3366,6 +3193,7 @@
                   </a:solidFill>
                 </a:uFill>
                 <a:latin typeface="Calibri"/>
+                <a:ea typeface="DejaVu Sans"/>
               </a:rPr>
               <a:t>P</a:t>
             </a:r>
@@ -3380,6 +3208,7 @@
                   </a:solidFill>
                 </a:uFill>
                 <a:latin typeface="Calibri"/>
+                <a:ea typeface="DejaVu Sans"/>
               </a:rPr>
               <a:t>H</a:t>
             </a:r>
@@ -3399,14 +3228,14 @@
       </p:sp>
       <p:sp>
         <p:nvSpPr>
-          <p:cNvPr id="62" name="CustomShape 19"/>
+          <p:cNvPr id="59" name="CustomShape 19"/>
           <p:cNvSpPr/>
           <p:nvPr/>
         </p:nvSpPr>
         <p:spPr>
           <a:xfrm>
             <a:off x="1540440" y="2538360"/>
-            <a:ext cx="385560" cy="613440"/>
+            <a:ext cx="384840" cy="612720"/>
           </a:xfrm>
           <a:prstGeom prst="rect">
             <a:avLst/>
@@ -3425,7 +3254,7 @@
         <p:txBody>
           <a:bodyPr lIns="90000" rIns="90000" tIns="46800" bIns="46800"/>
           <a:p>
-            <a:pPr marL="457200" indent="-455400" algn="r" rtl="1">
+            <a:pPr marL="457200" indent="-454680" algn="r" rtl="1">
               <a:lnSpc>
                 <a:spcPct val="100000"/>
               </a:lnSpc>
@@ -3441,6 +3270,7 @@
                   </a:solidFill>
                 </a:uFill>
                 <a:latin typeface="Calibri"/>
+                <a:ea typeface="DejaVu Sans"/>
               </a:rPr>
               <a:t>P</a:t>
             </a:r>
@@ -3455,6 +3285,7 @@
                   </a:solidFill>
                 </a:uFill>
                 <a:latin typeface="Calibri"/>
+                <a:ea typeface="DejaVu Sans"/>
               </a:rPr>
               <a:t>1</a:t>
             </a:r>
@@ -3474,7 +3305,7 @@
       </p:sp>
       <p:sp>
         <p:nvSpPr>
-          <p:cNvPr id="63" name="Line 20"/>
+          <p:cNvPr id="60" name="Line 20"/>
           <p:cNvSpPr/>
           <p:nvPr/>
         </p:nvSpPr>
@@ -3508,7 +3339,7 @@
       </p:sp>
       <p:sp>
         <p:nvSpPr>
-          <p:cNvPr id="64" name="Line 21"/>
+          <p:cNvPr id="61" name="Line 21"/>
           <p:cNvSpPr/>
           <p:nvPr/>
         </p:nvSpPr>
@@ -3525,7 +3356,7 @@
               <a:srgbClr val="c00000"/>
             </a:solidFill>
             <a:custDash>
-              <a:ds d="500000" sp="400000"/>
+              <a:ds d="800000" sp="600000"/>
             </a:custDash>
             <a:round/>
           </a:ln>
@@ -3545,7 +3376,7 @@
       </p:sp>
       <p:sp>
         <p:nvSpPr>
-          <p:cNvPr id="65" name="Line 22"/>
+          <p:cNvPr id="62" name="Line 22"/>
           <p:cNvSpPr/>
           <p:nvPr/>
         </p:nvSpPr>
@@ -3562,7 +3393,7 @@
               <a:srgbClr val="c00000"/>
             </a:solidFill>
             <a:custDash>
-              <a:ds d="500000" sp="400000"/>
+              <a:ds d="800000" sp="600000"/>
             </a:custDash>
             <a:round/>
           </a:ln>
@@ -3582,14 +3413,14 @@
       </p:sp>
       <p:sp>
         <p:nvSpPr>
-          <p:cNvPr id="66" name="CustomShape 23"/>
+          <p:cNvPr id="63" name="CustomShape 23"/>
           <p:cNvSpPr/>
           <p:nvPr/>
         </p:nvSpPr>
         <p:spPr>
           <a:xfrm>
             <a:off x="4314240" y="5703120"/>
-            <a:ext cx="717480" cy="419760"/>
+            <a:ext cx="716760" cy="419040"/>
           </a:xfrm>
           <a:prstGeom prst="rect">
             <a:avLst/>
@@ -3624,6 +3455,7 @@
                   </a:solidFill>
                 </a:uFill>
                 <a:latin typeface="Calibri"/>
+                <a:ea typeface="DejaVu Sans"/>
               </a:rPr>
               <a:t>y</a:t>
             </a:r>
@@ -3638,6 +3470,7 @@
                   </a:solidFill>
                 </a:uFill>
                 <a:latin typeface="Calibri"/>
+                <a:ea typeface="DejaVu Sans"/>
               </a:rPr>
               <a:t>z</a:t>
             </a:r>
@@ -3652,6 +3485,7 @@
                   </a:solidFill>
                 </a:uFill>
                 <a:latin typeface="Calibri"/>
+                <a:ea typeface="DejaVu Sans"/>
               </a:rPr>
               <a:t>/x</a:t>
             </a:r>
@@ -3666,6 +3500,7 @@
                   </a:solidFill>
                 </a:uFill>
                 <a:latin typeface="Calibri"/>
+                <a:ea typeface="DejaVu Sans"/>
               </a:rPr>
               <a:t>z</a:t>
             </a:r>
@@ -3685,14 +3520,14 @@
       </p:sp>
       <p:sp>
         <p:nvSpPr>
-          <p:cNvPr id="67" name="CustomShape 24"/>
+          <p:cNvPr id="64" name="CustomShape 24"/>
           <p:cNvSpPr/>
           <p:nvPr/>
         </p:nvSpPr>
         <p:spPr>
           <a:xfrm>
             <a:off x="3142800" y="5661360"/>
-            <a:ext cx="509040" cy="401400"/>
+            <a:ext cx="508320" cy="400680"/>
           </a:xfrm>
           <a:prstGeom prst="rect">
             <a:avLst/>
@@ -3727,6 +3562,7 @@
                   </a:solidFill>
                 </a:uFill>
                 <a:latin typeface="Calibri"/>
+                <a:ea typeface="DejaVu Sans"/>
               </a:rPr>
               <a:t>x</a:t>
             </a:r>
@@ -3741,8 +3577,9 @@
                   </a:solidFill>
                 </a:uFill>
                 <a:latin typeface="Calibri"/>
+                <a:ea typeface="DejaVu Sans"/>
               </a:rPr>
-              <a:t>DB</a:t>
+              <a:t>DP</a:t>
             </a:r>
             <a:endParaRPr b="0" lang="en-GB" sz="1800" spc="-1" strike="noStrike">
               <a:solidFill>
@@ -3760,7 +3597,7 @@
       </p:sp>
       <p:sp>
         <p:nvSpPr>
-          <p:cNvPr id="68" name="Line 25"/>
+          <p:cNvPr id="65" name="Line 25"/>
           <p:cNvSpPr/>
           <p:nvPr/>
         </p:nvSpPr>
@@ -3777,7 +3614,7 @@
               <a:srgbClr val="c00000"/>
             </a:solidFill>
             <a:custDash>
-              <a:ds d="500000" sp="400000"/>
+              <a:ds d="800000" sp="600000"/>
             </a:custDash>
             <a:round/>
           </a:ln>
@@ -3797,7 +3634,7 @@
       </p:sp>
       <p:sp>
         <p:nvSpPr>
-          <p:cNvPr id="69" name="Line 26"/>
+          <p:cNvPr id="66" name="Line 26"/>
           <p:cNvSpPr/>
           <p:nvPr/>
         </p:nvSpPr>
@@ -3814,7 +3651,7 @@
               <a:srgbClr val="c00000"/>
             </a:solidFill>
             <a:custDash>
-              <a:ds d="500000" sp="400000"/>
+              <a:ds d="800000" sp="600000"/>
             </a:custDash>
             <a:round/>
           </a:ln>
@@ -3834,14 +3671,14 @@
       </p:sp>
       <p:sp>
         <p:nvSpPr>
-          <p:cNvPr id="70" name="CustomShape 27"/>
+          <p:cNvPr id="67" name="CustomShape 27"/>
           <p:cNvSpPr/>
           <p:nvPr/>
         </p:nvSpPr>
         <p:spPr>
           <a:xfrm>
             <a:off x="5625000" y="5668920"/>
-            <a:ext cx="486000" cy="401400"/>
+            <a:ext cx="485280" cy="400680"/>
           </a:xfrm>
           <a:prstGeom prst="rect">
             <a:avLst/>
@@ -3876,6 +3713,7 @@
                   </a:solidFill>
                 </a:uFill>
                 <a:latin typeface="Calibri"/>
+                <a:ea typeface="DejaVu Sans"/>
               </a:rPr>
               <a:t>y</a:t>
             </a:r>
@@ -3890,6 +3728,7 @@
                   </a:solidFill>
                 </a:uFill>
                 <a:latin typeface="Calibri"/>
+                <a:ea typeface="DejaVu Sans"/>
               </a:rPr>
               <a:t>BP</a:t>
             </a:r>
@@ -3909,14 +3748,14 @@
       </p:sp>
       <p:sp>
         <p:nvSpPr>
-          <p:cNvPr id="71" name="CustomShape 28"/>
+          <p:cNvPr id="68" name="CustomShape 28"/>
           <p:cNvSpPr/>
           <p:nvPr/>
         </p:nvSpPr>
         <p:spPr>
           <a:xfrm>
             <a:off x="2307600" y="1419480"/>
-            <a:ext cx="2080080" cy="333720"/>
+            <a:ext cx="2079360" cy="333000"/>
           </a:xfrm>
           <a:prstGeom prst="rect">
             <a:avLst/>
@@ -3951,6 +3790,7 @@
                   </a:solidFill>
                 </a:uFill>
                 <a:latin typeface="Calibri"/>
+                <a:ea typeface="DejaVu Sans"/>
               </a:rPr>
               <a:t>Subcooled liquid</a:t>
             </a:r>
@@ -3970,14 +3810,14 @@
       </p:sp>
       <p:sp>
         <p:nvSpPr>
-          <p:cNvPr id="72" name="CustomShape 29"/>
+          <p:cNvPr id="69" name="CustomShape 29"/>
           <p:cNvSpPr/>
           <p:nvPr/>
         </p:nvSpPr>
         <p:spPr>
           <a:xfrm rot="5400000">
-            <a:off x="5061240" y="4212720"/>
-            <a:ext cx="2520720" cy="333360"/>
+            <a:off x="5061960" y="4212720"/>
+            <a:ext cx="2520000" cy="332640"/>
           </a:xfrm>
           <a:prstGeom prst="rect">
             <a:avLst/>
@@ -4012,6 +3852,7 @@
                   </a:solidFill>
                 </a:uFill>
                 <a:latin typeface="Calibri"/>
+                <a:ea typeface="DejaVu Sans"/>
               </a:rPr>
               <a:t>Superheated vapour</a:t>
             </a:r>
@@ -4031,14 +3872,14 @@
       </p:sp>
       <p:sp>
         <p:nvSpPr>
-          <p:cNvPr id="73" name="CustomShape 30"/>
+          <p:cNvPr id="70" name="CustomShape 30"/>
           <p:cNvSpPr/>
           <p:nvPr/>
         </p:nvSpPr>
         <p:spPr>
           <a:xfrm>
             <a:off x="6007680" y="2458800"/>
-            <a:ext cx="1796760" cy="516600"/>
+            <a:ext cx="1796040" cy="515880"/>
           </a:xfrm>
           <a:prstGeom prst="rect">
             <a:avLst/>
@@ -4073,6 +3914,7 @@
                   </a:solidFill>
                 </a:uFill>
                 <a:latin typeface="Calibri"/>
+                <a:ea typeface="DejaVu Sans"/>
               </a:rPr>
               <a:t>Saturated vapour </a:t>
             </a:r>
@@ -4105,6 +3947,7 @@
                   </a:solidFill>
                 </a:uFill>
                 <a:latin typeface="Calibri"/>
+                <a:ea typeface="DejaVu Sans"/>
               </a:rPr>
               <a:t>line</a:t>
             </a:r>
@@ -4124,14 +3967,14 @@
       </p:sp>
       <p:sp>
         <p:nvSpPr>
-          <p:cNvPr id="74" name="CustomShape 31"/>
+          <p:cNvPr id="71" name="CustomShape 31"/>
           <p:cNvSpPr/>
           <p:nvPr/>
         </p:nvSpPr>
         <p:spPr>
           <a:xfrm flipH="1" flipV="1">
-            <a:off x="6318720" y="1845000"/>
-            <a:ext cx="298080" cy="533520"/>
+            <a:off x="6318000" y="1844280"/>
+            <a:ext cx="297360" cy="532800"/>
           </a:xfrm>
           <a:custGeom>
             <a:avLst/>
@@ -4173,14 +4016,14 @@
       </p:sp>
       <p:sp>
         <p:nvSpPr>
-          <p:cNvPr id="75" name="CustomShape 32"/>
+          <p:cNvPr id="72" name="CustomShape 32"/>
           <p:cNvSpPr/>
           <p:nvPr/>
         </p:nvSpPr>
         <p:spPr>
           <a:xfrm>
             <a:off x="4834080" y="768960"/>
-            <a:ext cx="1605960" cy="516600"/>
+            <a:ext cx="1605240" cy="515880"/>
           </a:xfrm>
           <a:prstGeom prst="rect">
             <a:avLst/>
@@ -4215,6 +4058,7 @@
                   </a:solidFill>
                 </a:uFill>
                 <a:latin typeface="Calibri"/>
+                <a:ea typeface="DejaVu Sans"/>
               </a:rPr>
               <a:t>Saturated liquid</a:t>
             </a:r>
@@ -4247,6 +4091,7 @@
                   </a:solidFill>
                 </a:uFill>
                 <a:latin typeface="Calibri"/>
+                <a:ea typeface="DejaVu Sans"/>
               </a:rPr>
               <a:t>line</a:t>
             </a:r>
@@ -4266,14 +4111,14 @@
       </p:sp>
       <p:sp>
         <p:nvSpPr>
-          <p:cNvPr id="76" name="CustomShape 33"/>
+          <p:cNvPr id="73" name="CustomShape 33"/>
           <p:cNvSpPr/>
           <p:nvPr/>
         </p:nvSpPr>
         <p:spPr>
           <a:xfrm>
             <a:off x="5508000" y="1275840"/>
-            <a:ext cx="287640" cy="312840"/>
+            <a:ext cx="286920" cy="312120"/>
           </a:xfrm>
           <a:custGeom>
             <a:avLst/>
@@ -4315,14 +4160,14 @@
       </p:sp>
       <p:sp>
         <p:nvSpPr>
-          <p:cNvPr id="77" name="CustomShape 34"/>
+          <p:cNvPr id="74" name="CustomShape 34"/>
           <p:cNvSpPr/>
           <p:nvPr/>
         </p:nvSpPr>
         <p:spPr>
           <a:xfrm>
             <a:off x="4644000" y="1368000"/>
-            <a:ext cx="144000" cy="144000"/>
+            <a:ext cx="143280" cy="143280"/>
           </a:xfrm>
           <a:prstGeom prst="ellipse">
             <a:avLst/>
@@ -4345,14 +4190,14 @@
       </p:sp>
       <p:sp>
         <p:nvSpPr>
-          <p:cNvPr id="78" name="TextShape 35"/>
-          <p:cNvSpPr txBox="1"/>
+          <p:cNvPr id="75" name="CustomShape 35"/>
+          <p:cNvSpPr/>
           <p:nvPr/>
         </p:nvSpPr>
         <p:spPr>
           <a:xfrm>
             <a:off x="4834080" y="1275840"/>
-            <a:ext cx="371160" cy="346320"/>
+            <a:ext cx="370440" cy="345600"/>
           </a:xfrm>
           <a:prstGeom prst="rect">
             <a:avLst/>
@@ -4362,6 +4207,12 @@
             <a:noFill/>
           </a:ln>
         </p:spPr>
+        <p:style>
+          <a:lnRef idx="0"/>
+          <a:fillRef idx="0"/>
+          <a:effectRef idx="0"/>
+          <a:fontRef idx="minor"/>
+        </p:style>
         <p:txBody>
           <a:bodyPr lIns="90000" rIns="90000" tIns="45000" bIns="45000"/>
           <a:p>
@@ -4376,33 +4227,34 @@
                   </a:solidFill>
                 </a:uFill>
                 <a:latin typeface="Arial"/>
+                <a:ea typeface="DejaVu Sans"/>
               </a:rPr>
               <a:t>M</a:t>
             </a:r>
             <a:endParaRPr b="0" lang="en-GB" sz="1800" spc="-1" strike="noStrike">
               <a:solidFill>
-                <a:srgbClr val="ff3333"/>
-              </a:solidFill>
-              <a:uFill>
-                <a:solidFill>
-                  <a:srgbClr val="ffffff"/>
-                </a:solidFill>
-              </a:uFill>
-              <a:latin typeface="Arial"/>
-            </a:endParaRPr>
-          </a:p>
-        </p:txBody>
-      </p:sp>
-      <p:sp>
-        <p:nvSpPr>
-          <p:cNvPr id="79" name="CustomShape 36"/>
+                <a:srgbClr val="000000"/>
+              </a:solidFill>
+              <a:uFill>
+                <a:solidFill>
+                  <a:srgbClr val="ffffff"/>
+                </a:solidFill>
+              </a:uFill>
+              <a:latin typeface="Arial"/>
+            </a:endParaRPr>
+          </a:p>
+        </p:txBody>
+      </p:sp>
+      <p:sp>
+        <p:nvSpPr>
+          <p:cNvPr id="76" name="CustomShape 36"/>
           <p:cNvSpPr/>
           <p:nvPr/>
         </p:nvSpPr>
         <p:spPr>
           <a:xfrm>
             <a:off x="4644360" y="2160360"/>
-            <a:ext cx="144000" cy="144000"/>
+            <a:ext cx="143280" cy="143280"/>
           </a:xfrm>
           <a:prstGeom prst="ellipse">
             <a:avLst/>
@@ -4425,14 +4277,14 @@
       </p:sp>
       <p:sp>
         <p:nvSpPr>
-          <p:cNvPr id="80" name="CustomShape 37"/>
+          <p:cNvPr id="77" name="CustomShape 37"/>
           <p:cNvSpPr/>
           <p:nvPr/>
         </p:nvSpPr>
         <p:spPr>
           <a:xfrm>
             <a:off x="4644720" y="2628720"/>
-            <a:ext cx="144000" cy="144000"/>
+            <a:ext cx="143280" cy="143280"/>
           </a:xfrm>
           <a:prstGeom prst="ellipse">
             <a:avLst/>
@@ -4455,14 +4307,14 @@
       </p:sp>
       <p:sp>
         <p:nvSpPr>
-          <p:cNvPr id="81" name="CustomShape 38"/>
+          <p:cNvPr id="78" name="CustomShape 38"/>
           <p:cNvSpPr/>
           <p:nvPr/>
         </p:nvSpPr>
         <p:spPr>
           <a:xfrm>
             <a:off x="4645080" y="3205080"/>
-            <a:ext cx="144000" cy="144000"/>
+            <a:ext cx="143280" cy="143280"/>
           </a:xfrm>
           <a:prstGeom prst="ellipse">
             <a:avLst/>
@@ -4485,14 +4337,14 @@
       </p:sp>
       <p:sp>
         <p:nvSpPr>
-          <p:cNvPr id="82" name="CustomShape 39"/>
+          <p:cNvPr id="79" name="CustomShape 39"/>
           <p:cNvSpPr/>
           <p:nvPr/>
         </p:nvSpPr>
         <p:spPr>
           <a:xfrm>
             <a:off x="4645440" y="4141440"/>
-            <a:ext cx="144000" cy="144000"/>
+            <a:ext cx="143280" cy="143280"/>
           </a:xfrm>
           <a:prstGeom prst="ellipse">
             <a:avLst/>
@@ -4515,14 +4367,14 @@
       </p:sp>
       <p:sp>
         <p:nvSpPr>
-          <p:cNvPr id="83" name="TextShape 40"/>
-          <p:cNvSpPr txBox="1"/>
+          <p:cNvPr id="80" name="CustomShape 40"/>
+          <p:cNvSpPr/>
           <p:nvPr/>
         </p:nvSpPr>
         <p:spPr>
           <a:xfrm>
             <a:off x="4330440" y="1995840"/>
-            <a:ext cx="345240" cy="346320"/>
+            <a:ext cx="344520" cy="345600"/>
           </a:xfrm>
           <a:prstGeom prst="rect">
             <a:avLst/>
@@ -4532,6 +4384,12 @@
             <a:noFill/>
           </a:ln>
         </p:spPr>
+        <p:style>
+          <a:lnRef idx="0"/>
+          <a:fillRef idx="0"/>
+          <a:effectRef idx="0"/>
+          <a:fontRef idx="minor"/>
+        </p:style>
         <p:txBody>
           <a:bodyPr lIns="90000" rIns="90000" tIns="45000" bIns="45000"/>
           <a:p>
@@ -4546,33 +4404,34 @@
                   </a:solidFill>
                 </a:uFill>
                 <a:latin typeface="Arial"/>
+                <a:ea typeface="DejaVu Sans"/>
               </a:rPr>
               <a:t>N</a:t>
             </a:r>
             <a:endParaRPr b="0" lang="en-GB" sz="1800" spc="-1" strike="noStrike">
               <a:solidFill>
-                <a:srgbClr val="ff3333"/>
-              </a:solidFill>
-              <a:uFill>
-                <a:solidFill>
-                  <a:srgbClr val="ffffff"/>
-                </a:solidFill>
-              </a:uFill>
-              <a:latin typeface="Arial"/>
-            </a:endParaRPr>
-          </a:p>
-        </p:txBody>
-      </p:sp>
-      <p:sp>
-        <p:nvSpPr>
-          <p:cNvPr id="84" name="TextShape 41"/>
-          <p:cNvSpPr txBox="1"/>
+                <a:srgbClr val="000000"/>
+              </a:solidFill>
+              <a:uFill>
+                <a:solidFill>
+                  <a:srgbClr val="ffffff"/>
+                </a:solidFill>
+              </a:uFill>
+              <a:latin typeface="Arial"/>
+            </a:endParaRPr>
+          </a:p>
+        </p:txBody>
+      </p:sp>
+      <p:sp>
+        <p:nvSpPr>
+          <p:cNvPr id="81" name="CustomShape 41"/>
+          <p:cNvSpPr/>
           <p:nvPr/>
         </p:nvSpPr>
         <p:spPr>
           <a:xfrm>
             <a:off x="4330800" y="2679840"/>
-            <a:ext cx="358920" cy="346320"/>
+            <a:ext cx="358200" cy="345600"/>
           </a:xfrm>
           <a:prstGeom prst="rect">
             <a:avLst/>
@@ -4582,6 +4441,12 @@
             <a:noFill/>
           </a:ln>
         </p:spPr>
+        <p:style>
+          <a:lnRef idx="0"/>
+          <a:fillRef idx="0"/>
+          <a:effectRef idx="0"/>
+          <a:fontRef idx="minor"/>
+        </p:style>
         <p:txBody>
           <a:bodyPr lIns="90000" rIns="90000" tIns="45000" bIns="45000"/>
           <a:p>
@@ -4596,33 +4461,34 @@
                   </a:solidFill>
                 </a:uFill>
                 <a:latin typeface="Arial"/>
+                <a:ea typeface="DejaVu Sans"/>
               </a:rPr>
               <a:t>Q</a:t>
             </a:r>
             <a:endParaRPr b="0" lang="en-GB" sz="1800" spc="-1" strike="noStrike">
               <a:solidFill>
-                <a:srgbClr val="ff3333"/>
-              </a:solidFill>
-              <a:uFill>
-                <a:solidFill>
-                  <a:srgbClr val="ffffff"/>
-                </a:solidFill>
-              </a:uFill>
-              <a:latin typeface="Arial"/>
-            </a:endParaRPr>
-          </a:p>
-        </p:txBody>
-      </p:sp>
-      <p:sp>
-        <p:nvSpPr>
-          <p:cNvPr id="85" name="TextShape 42"/>
-          <p:cNvSpPr txBox="1"/>
+                <a:srgbClr val="000000"/>
+              </a:solidFill>
+              <a:uFill>
+                <a:solidFill>
+                  <a:srgbClr val="ffffff"/>
+                </a:solidFill>
+              </a:uFill>
+              <a:latin typeface="Arial"/>
+            </a:endParaRPr>
+          </a:p>
+        </p:txBody>
+      </p:sp>
+      <p:sp>
+        <p:nvSpPr>
+          <p:cNvPr id="82" name="CustomShape 42"/>
+          <p:cNvSpPr/>
           <p:nvPr/>
         </p:nvSpPr>
         <p:spPr>
           <a:xfrm>
             <a:off x="4331160" y="3363840"/>
-            <a:ext cx="345240" cy="346320"/>
+            <a:ext cx="344520" cy="345600"/>
           </a:xfrm>
           <a:prstGeom prst="rect">
             <a:avLst/>
@@ -4632,6 +4498,12 @@
             <a:noFill/>
           </a:ln>
         </p:spPr>
+        <p:style>
+          <a:lnRef idx="0"/>
+          <a:fillRef idx="0"/>
+          <a:effectRef idx="0"/>
+          <a:fontRef idx="minor"/>
+        </p:style>
         <p:txBody>
           <a:bodyPr lIns="90000" rIns="90000" tIns="45000" bIns="45000"/>
           <a:p>
@@ -4646,33 +4518,34 @@
                   </a:solidFill>
                 </a:uFill>
                 <a:latin typeface="Arial"/>
+                <a:ea typeface="DejaVu Sans"/>
               </a:rPr>
               <a:t>R</a:t>
             </a:r>
             <a:endParaRPr b="0" lang="en-GB" sz="1800" spc="-1" strike="noStrike">
               <a:solidFill>
-                <a:srgbClr val="ff3333"/>
-              </a:solidFill>
-              <a:uFill>
-                <a:solidFill>
-                  <a:srgbClr val="ffffff"/>
-                </a:solidFill>
-              </a:uFill>
-              <a:latin typeface="Arial"/>
-            </a:endParaRPr>
-          </a:p>
-        </p:txBody>
-      </p:sp>
-      <p:sp>
-        <p:nvSpPr>
-          <p:cNvPr id="86" name="TextShape 43"/>
-          <p:cNvSpPr txBox="1"/>
+                <a:srgbClr val="000000"/>
+              </a:solidFill>
+              <a:uFill>
+                <a:solidFill>
+                  <a:srgbClr val="ffffff"/>
+                </a:solidFill>
+              </a:uFill>
+              <a:latin typeface="Arial"/>
+            </a:endParaRPr>
+          </a:p>
+        </p:txBody>
+      </p:sp>
+      <p:sp>
+        <p:nvSpPr>
+          <p:cNvPr id="83" name="CustomShape 43"/>
+          <p:cNvSpPr/>
           <p:nvPr/>
         </p:nvSpPr>
         <p:spPr>
           <a:xfrm>
             <a:off x="4331520" y="4047840"/>
-            <a:ext cx="333000" cy="346320"/>
+            <a:ext cx="332280" cy="345600"/>
           </a:xfrm>
           <a:prstGeom prst="rect">
             <a:avLst/>
@@ -4682,6 +4555,12 @@
             <a:noFill/>
           </a:ln>
         </p:spPr>
+        <p:style>
+          <a:lnRef idx="0"/>
+          <a:fillRef idx="0"/>
+          <a:effectRef idx="0"/>
+          <a:fontRef idx="minor"/>
+        </p:style>
         <p:txBody>
           <a:bodyPr lIns="90000" rIns="90000" tIns="45000" bIns="45000"/>
           <a:p>
@@ -4696,33 +4575,34 @@
                   </a:solidFill>
                 </a:uFill>
                 <a:latin typeface="Arial"/>
+                <a:ea typeface="DejaVu Sans"/>
               </a:rPr>
-              <a:t>S</a:t>
+              <a:t>z</a:t>
             </a:r>
             <a:endParaRPr b="0" lang="en-GB" sz="1800" spc="-1" strike="noStrike">
               <a:solidFill>
-                <a:srgbClr val="ff3333"/>
-              </a:solidFill>
-              <a:uFill>
-                <a:solidFill>
-                  <a:srgbClr val="ffffff"/>
-                </a:solidFill>
-              </a:uFill>
-              <a:latin typeface="Arial"/>
-            </a:endParaRPr>
-          </a:p>
-        </p:txBody>
-      </p:sp>
-      <p:sp>
-        <p:nvSpPr>
-          <p:cNvPr id="87" name="TextShape 44"/>
-          <p:cNvSpPr txBox="1"/>
+                <a:srgbClr val="000000"/>
+              </a:solidFill>
+              <a:uFill>
+                <a:solidFill>
+                  <a:srgbClr val="ffffff"/>
+                </a:solidFill>
+              </a:uFill>
+              <a:latin typeface="Arial"/>
+            </a:endParaRPr>
+          </a:p>
+        </p:txBody>
+      </p:sp>
+      <p:sp>
+        <p:nvSpPr>
+          <p:cNvPr id="84" name="CustomShape 44"/>
+          <p:cNvSpPr/>
           <p:nvPr/>
         </p:nvSpPr>
         <p:spPr>
           <a:xfrm>
             <a:off x="3755160" y="2283840"/>
-            <a:ext cx="432000" cy="401040"/>
+            <a:ext cx="431280" cy="400320"/>
           </a:xfrm>
           <a:prstGeom prst="rect">
             <a:avLst/>
@@ -4732,6 +4612,12 @@
             <a:noFill/>
           </a:ln>
         </p:spPr>
+        <p:style>
+          <a:lnRef idx="0"/>
+          <a:fillRef idx="0"/>
+          <a:effectRef idx="0"/>
+          <a:fontRef idx="minor"/>
+        </p:style>
         <p:txBody>
           <a:bodyPr lIns="90000" rIns="90000" tIns="45000" bIns="45000"/>
           <a:p>
@@ -4746,6 +4632,7 @@
                   </a:solidFill>
                 </a:uFill>
                 <a:latin typeface="Arial"/>
+                <a:ea typeface="DejaVu Sans"/>
               </a:rPr>
               <a:t>Q</a:t>
             </a:r>
@@ -4760,33 +4647,34 @@
                   </a:solidFill>
                 </a:uFill>
                 <a:latin typeface="Arial"/>
+                <a:ea typeface="DejaVu Sans"/>
               </a:rPr>
               <a:t>L</a:t>
             </a:r>
             <a:endParaRPr b="0" lang="en-GB" sz="1800" spc="-1" strike="noStrike">
               <a:solidFill>
-                <a:srgbClr val="ff3333"/>
-              </a:solidFill>
-              <a:uFill>
-                <a:solidFill>
-                  <a:srgbClr val="ffffff"/>
-                </a:solidFill>
-              </a:uFill>
-              <a:latin typeface="Arial"/>
-            </a:endParaRPr>
-          </a:p>
-        </p:txBody>
-      </p:sp>
-      <p:sp>
-        <p:nvSpPr>
-          <p:cNvPr id="88" name="TextShape 45"/>
-          <p:cNvSpPr txBox="1"/>
+                <a:srgbClr val="000000"/>
+              </a:solidFill>
+              <a:uFill>
+                <a:solidFill>
+                  <a:srgbClr val="ffffff"/>
+                </a:solidFill>
+              </a:uFill>
+              <a:latin typeface="Arial"/>
+            </a:endParaRPr>
+          </a:p>
+        </p:txBody>
+      </p:sp>
+      <p:sp>
+        <p:nvSpPr>
+          <p:cNvPr id="85" name="CustomShape 45"/>
+          <p:cNvSpPr/>
           <p:nvPr/>
         </p:nvSpPr>
         <p:spPr>
           <a:xfrm>
             <a:off x="5339160" y="2607840"/>
-            <a:ext cx="447480" cy="401040"/>
+            <a:ext cx="446760" cy="400320"/>
           </a:xfrm>
           <a:prstGeom prst="rect">
             <a:avLst/>
@@ -4796,6 +4684,12 @@
             <a:noFill/>
           </a:ln>
         </p:spPr>
+        <p:style>
+          <a:lnRef idx="0"/>
+          <a:fillRef idx="0"/>
+          <a:effectRef idx="0"/>
+          <a:fontRef idx="minor"/>
+        </p:style>
         <p:txBody>
           <a:bodyPr lIns="90000" rIns="90000" tIns="45000" bIns="45000"/>
           <a:p>
@@ -4810,6 +4704,7 @@
                   </a:solidFill>
                 </a:uFill>
                 <a:latin typeface="Arial"/>
+                <a:ea typeface="DejaVu Sans"/>
               </a:rPr>
               <a:t>Q</a:t>
             </a:r>
@@ -4824,12 +4719,167 @@
                   </a:solidFill>
                 </a:uFill>
                 <a:latin typeface="Arial"/>
+                <a:ea typeface="DejaVu Sans"/>
               </a:rPr>
               <a:t>V</a:t>
             </a:r>
             <a:endParaRPr b="0" lang="en-GB" sz="1800" spc="-1" strike="noStrike">
               <a:solidFill>
-                <a:srgbClr val="ff3333"/>
+                <a:srgbClr val="000000"/>
+              </a:solidFill>
+              <a:uFill>
+                <a:solidFill>
+                  <a:srgbClr val="ffffff"/>
+                </a:solidFill>
+              </a:uFill>
+              <a:latin typeface="Arial"/>
+            </a:endParaRPr>
+          </a:p>
+        </p:txBody>
+      </p:sp>
+      <p:sp>
+        <p:nvSpPr>
+          <p:cNvPr id="86" name="CustomShape 46"/>
+          <p:cNvSpPr/>
+          <p:nvPr/>
+        </p:nvSpPr>
+        <p:spPr>
+          <a:xfrm>
+            <a:off x="1447920" y="3096000"/>
+            <a:ext cx="515160" cy="409320"/>
+          </a:xfrm>
+          <a:prstGeom prst="rect">
+            <a:avLst/>
+          </a:prstGeom>
+          <a:noFill/>
+          <a:ln>
+            <a:noFill/>
+          </a:ln>
+        </p:spPr>
+        <p:style>
+          <a:lnRef idx="0"/>
+          <a:fillRef idx="0"/>
+          <a:effectRef idx="0"/>
+          <a:fontRef idx="minor"/>
+        </p:style>
+        <p:txBody>
+          <a:bodyPr lIns="90000" rIns="90000" tIns="46800" bIns="46800"/>
+          <a:p>
+            <a:pPr marL="457200" indent="-454680" algn="r" rtl="1">
+              <a:lnSpc>
+                <a:spcPct val="100000"/>
+              </a:lnSpc>
+            </a:pPr>
+            <a:r>
+              <a:rPr b="1" lang="en-GB" sz="1600" spc="-1" strike="noStrike">
+                <a:solidFill>
+                  <a:srgbClr val="3366ff"/>
+                </a:solidFill>
+                <a:uFill>
+                  <a:solidFill>
+                    <a:srgbClr val="ffffff"/>
+                  </a:solidFill>
+                </a:uFill>
+                <a:latin typeface="Calibri"/>
+                <a:ea typeface="DejaVu Sans"/>
+              </a:rPr>
+              <a:t>P</a:t>
+            </a:r>
+            <a:r>
+              <a:rPr b="1" lang="en-GB" sz="1600" spc="-1" strike="noStrike" baseline="-25000">
+                <a:solidFill>
+                  <a:srgbClr val="3366ff"/>
+                </a:solidFill>
+                <a:uFill>
+                  <a:solidFill>
+                    <a:srgbClr val="ffffff"/>
+                  </a:solidFill>
+                </a:uFill>
+                <a:latin typeface="Calibri"/>
+                <a:ea typeface="DejaVu Sans"/>
+              </a:rPr>
+              <a:t>DP</a:t>
+            </a:r>
+            <a:endParaRPr b="0" lang="en-GB" sz="1800" spc="-1" strike="noStrike">
+              <a:solidFill>
+                <a:srgbClr val="000000"/>
+              </a:solidFill>
+              <a:uFill>
+                <a:solidFill>
+                  <a:srgbClr val="ffffff"/>
+                </a:solidFill>
+              </a:uFill>
+              <a:latin typeface="Arial"/>
+            </a:endParaRPr>
+          </a:p>
+        </p:txBody>
+      </p:sp>
+      <p:sp>
+        <p:nvSpPr>
+          <p:cNvPr id="87" name="CustomShape 47"/>
+          <p:cNvSpPr/>
+          <p:nvPr/>
+        </p:nvSpPr>
+        <p:spPr>
+          <a:xfrm>
+            <a:off x="1421280" y="2016000"/>
+            <a:ext cx="515160" cy="409320"/>
+          </a:xfrm>
+          <a:prstGeom prst="rect">
+            <a:avLst/>
+          </a:prstGeom>
+          <a:noFill/>
+          <a:ln>
+            <a:noFill/>
+          </a:ln>
+        </p:spPr>
+        <p:style>
+          <a:lnRef idx="0"/>
+          <a:fillRef idx="0"/>
+          <a:effectRef idx="0"/>
+          <a:fontRef idx="minor"/>
+        </p:style>
+        <p:txBody>
+          <a:bodyPr lIns="90000" rIns="90000" tIns="46800" bIns="46800"/>
+          <a:p>
+            <a:pPr marL="457200" indent="-454680" algn="r" rtl="1">
+              <a:lnSpc>
+                <a:spcPct val="100000"/>
+              </a:lnSpc>
+            </a:pPr>
+            <a:r>
+              <a:rPr b="1" lang="en-GB" sz="1600" spc="-1" strike="noStrike">
+                <a:solidFill>
+                  <a:srgbClr val="3366ff"/>
+                </a:solidFill>
+                <a:uFill>
+                  <a:solidFill>
+                    <a:srgbClr val="ffffff"/>
+                  </a:solidFill>
+                </a:uFill>
+                <a:latin typeface="Calibri"/>
+                <a:ea typeface="DejaVu Sans"/>
+              </a:rPr>
+              <a:t>P</a:t>
+            </a:r>
+            <a:r>
+              <a:rPr b="1" lang="en-GB" sz="1600" spc="-1" strike="noStrike" baseline="-25000">
+                <a:solidFill>
+                  <a:srgbClr val="3366ff"/>
+                </a:solidFill>
+                <a:uFill>
+                  <a:solidFill>
+                    <a:srgbClr val="ffffff"/>
+                  </a:solidFill>
+                </a:uFill>
+                <a:latin typeface="Calibri"/>
+                <a:ea typeface="DejaVu Sans"/>
+              </a:rPr>
+              <a:t>BP</a:t>
+            </a:r>
+            <a:endParaRPr b="0" lang="en-GB" sz="1800" spc="-1" strike="noStrike">
+              <a:solidFill>
+                <a:srgbClr val="000000"/>
               </a:solidFill>
               <a:uFill>
                 <a:solidFill>
@@ -4876,9 +4926,6 @@
                                             <p:cond delay="0"/>
                                           </p:stCondLst>
                                         </p:cTn>
-                                        <p:tgtEl>
-                                          <p:spTgt spid="-1"/>
-                                        </p:tgtEl>
                                         <p:attrNameLst>
                                           <p:attrName>style.visibility</p:attrName>
                                         </p:attrNameLst>
@@ -4890,9 +4937,6 @@
                                     <p:animEffect filter="box(in)" transition="out">
                                       <p:cBhvr additive="repl">
                                         <p:cTn id="7" dur="500"/>
-                                        <p:tgtEl>
-                                          <p:spTgt spid="-1"/>
-                                        </p:tgtEl>
                                       </p:cBhvr>
                                     </p:animEffect>
                                   </p:childTnLst>
